--- a/CS-6501_Zhang/PS2/PS2/PS2_Q2/code+data/figures/results.pptx
+++ b/CS-6501_Zhang/PS2/PS2/PS2_Q2/code+data/figures/results.pptx
@@ -108,6 +108,11 @@
       </a:defRPr>
     </a:lvl9pPr>
   </p:defaultTextStyle>
+  <p:extLst>
+    <p:ext uri="{EFAFB233-063F-42B5-8137-9DF3F51BA10A}">
+      <p15:sldGuideLst xmlns:p15="http://schemas.microsoft.com/office/powerpoint/2012/main"/>
+    </p:ext>
+  </p:extLst>
 </p:presentation>
 </file>
 
@@ -258,7 +263,7 @@
           <a:p>
             <a:fld id="{FDB6ECFB-C1C1-47B7-8408-55526606C613}" type="datetimeFigureOut">
               <a:rPr lang="en-US" smtClean="0"/>
-              <a:t>10/13/2024</a:t>
+              <a:t>10/15/2024</a:t>
             </a:fld>
             <a:endParaRPr lang="en-US"/>
           </a:p>
@@ -456,7 +461,7 @@
           <a:p>
             <a:fld id="{FDB6ECFB-C1C1-47B7-8408-55526606C613}" type="datetimeFigureOut">
               <a:rPr lang="en-US" smtClean="0"/>
-              <a:t>10/13/2024</a:t>
+              <a:t>10/15/2024</a:t>
             </a:fld>
             <a:endParaRPr lang="en-US"/>
           </a:p>
@@ -664,7 +669,7 @@
           <a:p>
             <a:fld id="{FDB6ECFB-C1C1-47B7-8408-55526606C613}" type="datetimeFigureOut">
               <a:rPr lang="en-US" smtClean="0"/>
-              <a:t>10/13/2024</a:t>
+              <a:t>10/15/2024</a:t>
             </a:fld>
             <a:endParaRPr lang="en-US"/>
           </a:p>
@@ -862,7 +867,7 @@
           <a:p>
             <a:fld id="{FDB6ECFB-C1C1-47B7-8408-55526606C613}" type="datetimeFigureOut">
               <a:rPr lang="en-US" smtClean="0"/>
-              <a:t>10/13/2024</a:t>
+              <a:t>10/15/2024</a:t>
             </a:fld>
             <a:endParaRPr lang="en-US"/>
           </a:p>
@@ -1137,7 +1142,7 @@
           <a:p>
             <a:fld id="{FDB6ECFB-C1C1-47B7-8408-55526606C613}" type="datetimeFigureOut">
               <a:rPr lang="en-US" smtClean="0"/>
-              <a:t>10/13/2024</a:t>
+              <a:t>10/15/2024</a:t>
             </a:fld>
             <a:endParaRPr lang="en-US"/>
           </a:p>
@@ -1402,7 +1407,7 @@
           <a:p>
             <a:fld id="{FDB6ECFB-C1C1-47B7-8408-55526606C613}" type="datetimeFigureOut">
               <a:rPr lang="en-US" smtClean="0"/>
-              <a:t>10/13/2024</a:t>
+              <a:t>10/15/2024</a:t>
             </a:fld>
             <a:endParaRPr lang="en-US"/>
           </a:p>
@@ -1814,7 +1819,7 @@
           <a:p>
             <a:fld id="{FDB6ECFB-C1C1-47B7-8408-55526606C613}" type="datetimeFigureOut">
               <a:rPr lang="en-US" smtClean="0"/>
-              <a:t>10/13/2024</a:t>
+              <a:t>10/15/2024</a:t>
             </a:fld>
             <a:endParaRPr lang="en-US"/>
           </a:p>
@@ -1955,7 +1960,7 @@
           <a:p>
             <a:fld id="{FDB6ECFB-C1C1-47B7-8408-55526606C613}" type="datetimeFigureOut">
               <a:rPr lang="en-US" smtClean="0"/>
-              <a:t>10/13/2024</a:t>
+              <a:t>10/15/2024</a:t>
             </a:fld>
             <a:endParaRPr lang="en-US"/>
           </a:p>
@@ -2068,7 +2073,7 @@
           <a:p>
             <a:fld id="{FDB6ECFB-C1C1-47B7-8408-55526606C613}" type="datetimeFigureOut">
               <a:rPr lang="en-US" smtClean="0"/>
-              <a:t>10/13/2024</a:t>
+              <a:t>10/15/2024</a:t>
             </a:fld>
             <a:endParaRPr lang="en-US"/>
           </a:p>
@@ -2379,7 +2384,7 @@
           <a:p>
             <a:fld id="{FDB6ECFB-C1C1-47B7-8408-55526606C613}" type="datetimeFigureOut">
               <a:rPr lang="en-US" smtClean="0"/>
-              <a:t>10/13/2024</a:t>
+              <a:t>10/15/2024</a:t>
             </a:fld>
             <a:endParaRPr lang="en-US"/>
           </a:p>
@@ -2667,7 +2672,7 @@
           <a:p>
             <a:fld id="{FDB6ECFB-C1C1-47B7-8408-55526606C613}" type="datetimeFigureOut">
               <a:rPr lang="en-US" smtClean="0"/>
-              <a:t>10/13/2024</a:t>
+              <a:t>10/15/2024</a:t>
             </a:fld>
             <a:endParaRPr lang="en-US"/>
           </a:p>
@@ -2908,7 +2913,7 @@
           <a:p>
             <a:fld id="{FDB6ECFB-C1C1-47B7-8408-55526606C613}" type="datetimeFigureOut">
               <a:rPr lang="en-US" smtClean="0"/>
-              <a:t>10/13/2024</a:t>
+              <a:t>10/15/2024</a:t>
             </a:fld>
             <a:endParaRPr lang="en-US"/>
           </a:p>
@@ -3745,12 +3750,402 @@
           <a:chExt cx="0" cy="0"/>
         </a:xfrm>
       </p:grpSpPr>
+      <p:sp>
+        <p:nvSpPr>
+          <p:cNvPr id="18" name="TextBox 17">
+            <a:extLst>
+              <a:ext uri="{FF2B5EF4-FFF2-40B4-BE49-F238E27FC236}">
+                <a16:creationId xmlns:a16="http://schemas.microsoft.com/office/drawing/2014/main" id="{2D660D98-D705-47FB-2820-7DAEA40B28DC}"/>
+              </a:ext>
+            </a:extLst>
+          </p:cNvPr>
+          <p:cNvSpPr txBox="1"/>
+          <p:nvPr/>
+        </p:nvSpPr>
+        <p:spPr>
+          <a:xfrm>
+            <a:off x="984232" y="2695700"/>
+            <a:ext cx="717550" cy="276999"/>
+          </a:xfrm>
+          <a:prstGeom prst="rect">
+            <a:avLst/>
+          </a:prstGeom>
+          <a:noFill/>
+        </p:spPr>
+        <p:txBody>
+          <a:bodyPr wrap="square" rtlCol="0">
+            <a:spAutoFit/>
+          </a:bodyPr>
+          <a:lstStyle/>
+          <a:p>
+            <a:pPr algn="ctr"/>
+            <a:r>
+              <a:rPr lang="en-US" sz="1200" b="1" dirty="0">
+                <a:latin typeface="Times New Roman" panose="02020603050405020304" pitchFamily="18" charset="0"/>
+                <a:cs typeface="Times New Roman" panose="02020603050405020304" pitchFamily="18" charset="0"/>
+              </a:rPr>
+              <a:t>t = .1</a:t>
+            </a:r>
+          </a:p>
+        </p:txBody>
+      </p:sp>
+      <p:sp>
+        <p:nvSpPr>
+          <p:cNvPr id="20" name="TextBox 19">
+            <a:extLst>
+              <a:ext uri="{FF2B5EF4-FFF2-40B4-BE49-F238E27FC236}">
+                <a16:creationId xmlns:a16="http://schemas.microsoft.com/office/drawing/2014/main" id="{652D4D94-DD63-79ED-62B0-8081DE763C7F}"/>
+              </a:ext>
+            </a:extLst>
+          </p:cNvPr>
+          <p:cNvSpPr txBox="1"/>
+          <p:nvPr/>
+        </p:nvSpPr>
+        <p:spPr>
+          <a:xfrm>
+            <a:off x="3328642" y="2695700"/>
+            <a:ext cx="717550" cy="276999"/>
+          </a:xfrm>
+          <a:prstGeom prst="rect">
+            <a:avLst/>
+          </a:prstGeom>
+          <a:noFill/>
+        </p:spPr>
+        <p:txBody>
+          <a:bodyPr wrap="square" rtlCol="0">
+            <a:spAutoFit/>
+          </a:bodyPr>
+          <a:lstStyle/>
+          <a:p>
+            <a:pPr algn="ctr"/>
+            <a:r>
+              <a:rPr lang="en-US" sz="1200" b="1" dirty="0">
+                <a:latin typeface="Times New Roman" panose="02020603050405020304" pitchFamily="18" charset="0"/>
+                <a:cs typeface="Times New Roman" panose="02020603050405020304" pitchFamily="18" charset="0"/>
+              </a:rPr>
+              <a:t>t = .2</a:t>
+            </a:r>
+          </a:p>
+        </p:txBody>
+      </p:sp>
+      <p:sp>
+        <p:nvSpPr>
+          <p:cNvPr id="21" name="TextBox 20">
+            <a:extLst>
+              <a:ext uri="{FF2B5EF4-FFF2-40B4-BE49-F238E27FC236}">
+                <a16:creationId xmlns:a16="http://schemas.microsoft.com/office/drawing/2014/main" id="{C3F68A7D-EDAB-9578-FEC6-EAED9997253E}"/>
+              </a:ext>
+            </a:extLst>
+          </p:cNvPr>
+          <p:cNvSpPr txBox="1"/>
+          <p:nvPr/>
+        </p:nvSpPr>
+        <p:spPr>
+          <a:xfrm>
+            <a:off x="5674705" y="2695700"/>
+            <a:ext cx="717550" cy="276999"/>
+          </a:xfrm>
+          <a:prstGeom prst="rect">
+            <a:avLst/>
+          </a:prstGeom>
+          <a:noFill/>
+        </p:spPr>
+        <p:txBody>
+          <a:bodyPr wrap="square" rtlCol="0">
+            <a:spAutoFit/>
+          </a:bodyPr>
+          <a:lstStyle/>
+          <a:p>
+            <a:pPr algn="ctr"/>
+            <a:r>
+              <a:rPr lang="en-US" sz="1200" b="1" dirty="0">
+                <a:latin typeface="Times New Roman" panose="02020603050405020304" pitchFamily="18" charset="0"/>
+                <a:cs typeface="Times New Roman" panose="02020603050405020304" pitchFamily="18" charset="0"/>
+              </a:rPr>
+              <a:t>t = .3</a:t>
+            </a:r>
+          </a:p>
+        </p:txBody>
+      </p:sp>
+      <p:sp>
+        <p:nvSpPr>
+          <p:cNvPr id="22" name="TextBox 21">
+            <a:extLst>
+              <a:ext uri="{FF2B5EF4-FFF2-40B4-BE49-F238E27FC236}">
+                <a16:creationId xmlns:a16="http://schemas.microsoft.com/office/drawing/2014/main" id="{976891ED-60D8-1645-FD13-CCD7AA1DB609}"/>
+              </a:ext>
+            </a:extLst>
+          </p:cNvPr>
+          <p:cNvSpPr txBox="1"/>
+          <p:nvPr/>
+        </p:nvSpPr>
+        <p:spPr>
+          <a:xfrm>
+            <a:off x="8017462" y="2699136"/>
+            <a:ext cx="717550" cy="276999"/>
+          </a:xfrm>
+          <a:prstGeom prst="rect">
+            <a:avLst/>
+          </a:prstGeom>
+          <a:noFill/>
+        </p:spPr>
+        <p:txBody>
+          <a:bodyPr wrap="square" rtlCol="0">
+            <a:spAutoFit/>
+          </a:bodyPr>
+          <a:lstStyle/>
+          <a:p>
+            <a:pPr algn="ctr"/>
+            <a:r>
+              <a:rPr lang="en-US" sz="1200" b="1" dirty="0">
+                <a:latin typeface="Times New Roman" panose="02020603050405020304" pitchFamily="18" charset="0"/>
+                <a:cs typeface="Times New Roman" panose="02020603050405020304" pitchFamily="18" charset="0"/>
+              </a:rPr>
+              <a:t>t = .4</a:t>
+            </a:r>
+          </a:p>
+        </p:txBody>
+      </p:sp>
+      <p:sp>
+        <p:nvSpPr>
+          <p:cNvPr id="23" name="TextBox 22">
+            <a:extLst>
+              <a:ext uri="{FF2B5EF4-FFF2-40B4-BE49-F238E27FC236}">
+                <a16:creationId xmlns:a16="http://schemas.microsoft.com/office/drawing/2014/main" id="{2866B640-40D7-2E11-9058-FF92362AA910}"/>
+              </a:ext>
+            </a:extLst>
+          </p:cNvPr>
+          <p:cNvSpPr txBox="1"/>
+          <p:nvPr/>
+        </p:nvSpPr>
+        <p:spPr>
+          <a:xfrm>
+            <a:off x="10361872" y="2695700"/>
+            <a:ext cx="717550" cy="276999"/>
+          </a:xfrm>
+          <a:prstGeom prst="rect">
+            <a:avLst/>
+          </a:prstGeom>
+          <a:noFill/>
+        </p:spPr>
+        <p:txBody>
+          <a:bodyPr wrap="square" rtlCol="0">
+            <a:spAutoFit/>
+          </a:bodyPr>
+          <a:lstStyle/>
+          <a:p>
+            <a:pPr algn="ctr"/>
+            <a:r>
+              <a:rPr lang="en-US" sz="1200" b="1" dirty="0">
+                <a:latin typeface="Times New Roman" panose="02020603050405020304" pitchFamily="18" charset="0"/>
+                <a:cs typeface="Times New Roman" panose="02020603050405020304" pitchFamily="18" charset="0"/>
+              </a:rPr>
+              <a:t>t = .5</a:t>
+            </a:r>
+          </a:p>
+        </p:txBody>
+      </p:sp>
+      <p:sp>
+        <p:nvSpPr>
+          <p:cNvPr id="34" name="TextBox 33">
+            <a:extLst>
+              <a:ext uri="{FF2B5EF4-FFF2-40B4-BE49-F238E27FC236}">
+                <a16:creationId xmlns:a16="http://schemas.microsoft.com/office/drawing/2014/main" id="{F2F673E4-369A-48DE-B6B3-0FC506588671}"/>
+              </a:ext>
+            </a:extLst>
+          </p:cNvPr>
+          <p:cNvSpPr txBox="1"/>
+          <p:nvPr/>
+        </p:nvSpPr>
+        <p:spPr>
+          <a:xfrm>
+            <a:off x="984232" y="5945900"/>
+            <a:ext cx="717550" cy="276999"/>
+          </a:xfrm>
+          <a:prstGeom prst="rect">
+            <a:avLst/>
+          </a:prstGeom>
+          <a:noFill/>
+        </p:spPr>
+        <p:txBody>
+          <a:bodyPr wrap="square" rtlCol="0">
+            <a:spAutoFit/>
+          </a:bodyPr>
+          <a:lstStyle/>
+          <a:p>
+            <a:pPr algn="ctr"/>
+            <a:r>
+              <a:rPr lang="en-US" sz="1200" b="1" dirty="0">
+                <a:latin typeface="Times New Roman" panose="02020603050405020304" pitchFamily="18" charset="0"/>
+                <a:cs typeface="Times New Roman" panose="02020603050405020304" pitchFamily="18" charset="0"/>
+              </a:rPr>
+              <a:t>t = .6</a:t>
+            </a:r>
+          </a:p>
+        </p:txBody>
+      </p:sp>
+      <p:sp>
+        <p:nvSpPr>
+          <p:cNvPr id="35" name="TextBox 34">
+            <a:extLst>
+              <a:ext uri="{FF2B5EF4-FFF2-40B4-BE49-F238E27FC236}">
+                <a16:creationId xmlns:a16="http://schemas.microsoft.com/office/drawing/2014/main" id="{CAAF84B4-08D4-B170-1E6B-54BEA1020464}"/>
+              </a:ext>
+            </a:extLst>
+          </p:cNvPr>
+          <p:cNvSpPr txBox="1"/>
+          <p:nvPr/>
+        </p:nvSpPr>
+        <p:spPr>
+          <a:xfrm>
+            <a:off x="3328642" y="5945900"/>
+            <a:ext cx="717550" cy="276999"/>
+          </a:xfrm>
+          <a:prstGeom prst="rect">
+            <a:avLst/>
+          </a:prstGeom>
+          <a:noFill/>
+        </p:spPr>
+        <p:txBody>
+          <a:bodyPr wrap="square" rtlCol="0">
+            <a:spAutoFit/>
+          </a:bodyPr>
+          <a:lstStyle/>
+          <a:p>
+            <a:pPr algn="ctr"/>
+            <a:r>
+              <a:rPr lang="en-US" sz="1200" b="1" dirty="0">
+                <a:latin typeface="Times New Roman" panose="02020603050405020304" pitchFamily="18" charset="0"/>
+                <a:cs typeface="Times New Roman" panose="02020603050405020304" pitchFamily="18" charset="0"/>
+              </a:rPr>
+              <a:t>t = .7</a:t>
+            </a:r>
+          </a:p>
+        </p:txBody>
+      </p:sp>
+      <p:sp>
+        <p:nvSpPr>
+          <p:cNvPr id="36" name="TextBox 35">
+            <a:extLst>
+              <a:ext uri="{FF2B5EF4-FFF2-40B4-BE49-F238E27FC236}">
+                <a16:creationId xmlns:a16="http://schemas.microsoft.com/office/drawing/2014/main" id="{401F5DC6-2974-8063-F3DA-E52900AC0053}"/>
+              </a:ext>
+            </a:extLst>
+          </p:cNvPr>
+          <p:cNvSpPr txBox="1"/>
+          <p:nvPr/>
+        </p:nvSpPr>
+        <p:spPr>
+          <a:xfrm>
+            <a:off x="5694292" y="5945900"/>
+            <a:ext cx="717550" cy="276999"/>
+          </a:xfrm>
+          <a:prstGeom prst="rect">
+            <a:avLst/>
+          </a:prstGeom>
+          <a:noFill/>
+        </p:spPr>
+        <p:txBody>
+          <a:bodyPr wrap="square" rtlCol="0">
+            <a:spAutoFit/>
+          </a:bodyPr>
+          <a:lstStyle/>
+          <a:p>
+            <a:pPr algn="ctr"/>
+            <a:r>
+              <a:rPr lang="en-US" sz="1200" b="1" dirty="0">
+                <a:latin typeface="Times New Roman" panose="02020603050405020304" pitchFamily="18" charset="0"/>
+                <a:cs typeface="Times New Roman" panose="02020603050405020304" pitchFamily="18" charset="0"/>
+              </a:rPr>
+              <a:t>t = .8</a:t>
+            </a:r>
+          </a:p>
+        </p:txBody>
+      </p:sp>
+      <p:sp>
+        <p:nvSpPr>
+          <p:cNvPr id="37" name="TextBox 36">
+            <a:extLst>
+              <a:ext uri="{FF2B5EF4-FFF2-40B4-BE49-F238E27FC236}">
+                <a16:creationId xmlns:a16="http://schemas.microsoft.com/office/drawing/2014/main" id="{A40E068B-2A2D-E0BE-9F29-13655B4B65CD}"/>
+              </a:ext>
+            </a:extLst>
+          </p:cNvPr>
+          <p:cNvSpPr txBox="1"/>
+          <p:nvPr/>
+        </p:nvSpPr>
+        <p:spPr>
+          <a:xfrm>
+            <a:off x="8059942" y="5927718"/>
+            <a:ext cx="717550" cy="276999"/>
+          </a:xfrm>
+          <a:prstGeom prst="rect">
+            <a:avLst/>
+          </a:prstGeom>
+          <a:noFill/>
+        </p:spPr>
+        <p:txBody>
+          <a:bodyPr wrap="square" rtlCol="0">
+            <a:spAutoFit/>
+          </a:bodyPr>
+          <a:lstStyle/>
+          <a:p>
+            <a:pPr algn="ctr"/>
+            <a:r>
+              <a:rPr lang="en-US" sz="1200" b="1" dirty="0">
+                <a:latin typeface="Times New Roman" panose="02020603050405020304" pitchFamily="18" charset="0"/>
+                <a:cs typeface="Times New Roman" panose="02020603050405020304" pitchFamily="18" charset="0"/>
+              </a:rPr>
+              <a:t>t = .9</a:t>
+            </a:r>
+          </a:p>
+        </p:txBody>
+      </p:sp>
+      <p:sp>
+        <p:nvSpPr>
+          <p:cNvPr id="38" name="TextBox 37">
+            <a:extLst>
+              <a:ext uri="{FF2B5EF4-FFF2-40B4-BE49-F238E27FC236}">
+                <a16:creationId xmlns:a16="http://schemas.microsoft.com/office/drawing/2014/main" id="{4156F1E1-5FD5-AEB9-755F-BB44CDBD17CD}"/>
+              </a:ext>
+            </a:extLst>
+          </p:cNvPr>
+          <p:cNvSpPr txBox="1"/>
+          <p:nvPr/>
+        </p:nvSpPr>
+        <p:spPr>
+          <a:xfrm>
+            <a:off x="10425592" y="5945900"/>
+            <a:ext cx="717550" cy="276999"/>
+          </a:xfrm>
+          <a:prstGeom prst="rect">
+            <a:avLst/>
+          </a:prstGeom>
+          <a:noFill/>
+        </p:spPr>
+        <p:txBody>
+          <a:bodyPr wrap="square" rtlCol="0">
+            <a:spAutoFit/>
+          </a:bodyPr>
+          <a:lstStyle/>
+          <a:p>
+            <a:pPr algn="ctr"/>
+            <a:r>
+              <a:rPr lang="en-US" sz="1200" b="1" dirty="0">
+                <a:latin typeface="Times New Roman" panose="02020603050405020304" pitchFamily="18" charset="0"/>
+                <a:cs typeface="Times New Roman" panose="02020603050405020304" pitchFamily="18" charset="0"/>
+              </a:rPr>
+              <a:t>t = 1</a:t>
+            </a:r>
+          </a:p>
+        </p:txBody>
+      </p:sp>
       <p:pic>
         <p:nvPicPr>
-          <p:cNvPr id="5" name="Picture 4" descr="A white circle on a black background&#10;&#10;Description automatically generated">
-            <a:extLst>
-              <a:ext uri="{FF2B5EF4-FFF2-40B4-BE49-F238E27FC236}">
-                <a16:creationId xmlns:a16="http://schemas.microsoft.com/office/drawing/2014/main" id="{05748825-B2C3-9CF5-60AA-DDC2EF085F34}"/>
+          <p:cNvPr id="6" name="Picture 5" descr="A white circle on a black background&#10;&#10;Description automatically generated">
+            <a:extLst>
+              <a:ext uri="{FF2B5EF4-FFF2-40B4-BE49-F238E27FC236}">
+                <a16:creationId xmlns:a16="http://schemas.microsoft.com/office/drawing/2014/main" id="{AC5B3E36-E2F8-BAA7-CD06-D75D448D334C}"/>
               </a:ext>
             </a:extLst>
           </p:cNvPr>
@@ -3773,8 +4168,8 @@
         </p:blipFill>
         <p:spPr>
           <a:xfrm>
-            <a:off x="120650" y="184150"/>
-            <a:ext cx="2155956" cy="2155956"/>
+            <a:off x="265029" y="481263"/>
+            <a:ext cx="2155955" cy="2155955"/>
           </a:xfrm>
           <a:prstGeom prst="rect">
             <a:avLst/>
@@ -3783,10 +4178,10 @@
       </p:pic>
       <p:pic>
         <p:nvPicPr>
-          <p:cNvPr id="7" name="Picture 6" descr="A white circle on a black background&#10;&#10;Description automatically generated">
-            <a:extLst>
-              <a:ext uri="{FF2B5EF4-FFF2-40B4-BE49-F238E27FC236}">
-                <a16:creationId xmlns:a16="http://schemas.microsoft.com/office/drawing/2014/main" id="{690E678A-22C4-1D93-9913-A944EF549ACC}"/>
+          <p:cNvPr id="9" name="Picture 8" descr="A white circle on a black background&#10;&#10;Description automatically generated">
+            <a:extLst>
+              <a:ext uri="{FF2B5EF4-FFF2-40B4-BE49-F238E27FC236}">
+                <a16:creationId xmlns:a16="http://schemas.microsoft.com/office/drawing/2014/main" id="{AD249407-007D-8E5E-21F2-8C396367C471}"/>
               </a:ext>
             </a:extLst>
           </p:cNvPr>
@@ -3796,7 +4191,7 @@
           <p:nvPr/>
         </p:nvPicPr>
         <p:blipFill>
-          <a:blip r:embed="rId2">
+          <a:blip r:embed="rId3">
             <a:extLst>
               <a:ext uri="{28A0092B-C50C-407E-A947-70E740481C1C}">
                 <a14:useLocalDpi xmlns:a14="http://schemas.microsoft.com/office/drawing/2010/main" val="0"/>
@@ -3809,8 +4204,8 @@
         </p:blipFill>
         <p:spPr>
           <a:xfrm>
-            <a:off x="2465060" y="184150"/>
-            <a:ext cx="2155956" cy="2155956"/>
+            <a:off x="2547242" y="457452"/>
+            <a:ext cx="2155954" cy="2155954"/>
           </a:xfrm>
           <a:prstGeom prst="rect">
             <a:avLst/>
@@ -3819,10 +4214,10 @@
       </p:pic>
       <p:pic>
         <p:nvPicPr>
-          <p:cNvPr id="13" name="Picture 12" descr="A white circle on a black background&#10;&#10;Description automatically generated">
-            <a:extLst>
-              <a:ext uri="{FF2B5EF4-FFF2-40B4-BE49-F238E27FC236}">
-                <a16:creationId xmlns:a16="http://schemas.microsoft.com/office/drawing/2014/main" id="{D8C861D1-94AA-3F8F-1FC0-131F81204C9E}"/>
+          <p:cNvPr id="11" name="Picture 10" descr="A white circle on a black background&#10;&#10;Description automatically generated">
+            <a:extLst>
+              <a:ext uri="{FF2B5EF4-FFF2-40B4-BE49-F238E27FC236}">
+                <a16:creationId xmlns:a16="http://schemas.microsoft.com/office/drawing/2014/main" id="{CD97C4B7-6F7D-0079-BE12-EFC8AED663FA}"/>
               </a:ext>
             </a:extLst>
           </p:cNvPr>
@@ -3832,7 +4227,7 @@
           <p:nvPr/>
         </p:nvPicPr>
         <p:blipFill>
-          <a:blip r:embed="rId2">
+          <a:blip r:embed="rId4">
             <a:extLst>
               <a:ext uri="{28A0092B-C50C-407E-A947-70E740481C1C}">
                 <a14:useLocalDpi xmlns:a14="http://schemas.microsoft.com/office/drawing/2010/main" val="0"/>
@@ -3845,8 +4240,8 @@
         </p:blipFill>
         <p:spPr>
           <a:xfrm>
-            <a:off x="4809470" y="196981"/>
-            <a:ext cx="2155956" cy="2155956"/>
+            <a:off x="4953850" y="539745"/>
+            <a:ext cx="2155955" cy="2155955"/>
           </a:xfrm>
           <a:prstGeom prst="rect">
             <a:avLst/>
@@ -3855,10 +4250,10 @@
       </p:pic>
       <p:pic>
         <p:nvPicPr>
-          <p:cNvPr id="15" name="Picture 14" descr="A white circle on a black background&#10;&#10;Description automatically generated">
-            <a:extLst>
-              <a:ext uri="{FF2B5EF4-FFF2-40B4-BE49-F238E27FC236}">
-                <a16:creationId xmlns:a16="http://schemas.microsoft.com/office/drawing/2014/main" id="{DEB22E61-6EB3-89F4-209A-B9962BC0634F}"/>
+          <p:cNvPr id="14" name="Picture 13" descr="A white circle on a black background&#10;&#10;Description automatically generated">
+            <a:extLst>
+              <a:ext uri="{FF2B5EF4-FFF2-40B4-BE49-F238E27FC236}">
+                <a16:creationId xmlns:a16="http://schemas.microsoft.com/office/drawing/2014/main" id="{FAF1D11D-45C4-805F-EF7C-6AEA0FCF27EE}"/>
               </a:ext>
             </a:extLst>
           </p:cNvPr>
@@ -3868,7 +4263,7 @@
           <p:nvPr/>
         </p:nvPicPr>
         <p:blipFill>
-          <a:blip r:embed="rId2">
+          <a:blip r:embed="rId5">
             <a:extLst>
               <a:ext uri="{28A0092B-C50C-407E-A947-70E740481C1C}">
                 <a14:useLocalDpi xmlns:a14="http://schemas.microsoft.com/office/drawing/2010/main" val="0"/>
@@ -3881,7 +4276,7 @@
         </p:blipFill>
         <p:spPr>
           <a:xfrm>
-            <a:off x="7153880" y="184150"/>
+            <a:off x="7298259" y="539745"/>
             <a:ext cx="2155956" cy="2155956"/>
           </a:xfrm>
           <a:prstGeom prst="rect">
@@ -3891,10 +4286,10 @@
       </p:pic>
       <p:pic>
         <p:nvPicPr>
-          <p:cNvPr id="17" name="Picture 16" descr="A white circle on a black background&#10;&#10;Description automatically generated">
-            <a:extLst>
-              <a:ext uri="{FF2B5EF4-FFF2-40B4-BE49-F238E27FC236}">
-                <a16:creationId xmlns:a16="http://schemas.microsoft.com/office/drawing/2014/main" id="{E365E3AE-49D2-8816-A7F1-481101A3776A}"/>
+          <p:cNvPr id="19" name="Picture 18" descr="A white circle on a black background&#10;&#10;Description automatically generated">
+            <a:extLst>
+              <a:ext uri="{FF2B5EF4-FFF2-40B4-BE49-F238E27FC236}">
+                <a16:creationId xmlns:a16="http://schemas.microsoft.com/office/drawing/2014/main" id="{0898E22A-C155-FF1E-44F2-95B3C33B31C3}"/>
               </a:ext>
             </a:extLst>
           </p:cNvPr>
@@ -3904,7 +4299,7 @@
           <p:nvPr/>
         </p:nvPicPr>
         <p:blipFill>
-          <a:blip r:embed="rId2">
+          <a:blip r:embed="rId6">
             <a:extLst>
               <a:ext uri="{28A0092B-C50C-407E-A947-70E740481C1C}">
                 <a14:useLocalDpi xmlns:a14="http://schemas.microsoft.com/office/drawing/2010/main" val="0"/>
@@ -3917,7 +4312,7 @@
         </p:blipFill>
         <p:spPr>
           <a:xfrm>
-            <a:off x="9498290" y="184150"/>
+            <a:off x="9642669" y="539745"/>
             <a:ext cx="2155956" cy="2155956"/>
           </a:xfrm>
           <a:prstGeom prst="rect">
@@ -3925,207 +4320,12 @@
           </a:prstGeom>
         </p:spPr>
       </p:pic>
-      <p:sp>
-        <p:nvSpPr>
-          <p:cNvPr id="18" name="TextBox 17">
-            <a:extLst>
-              <a:ext uri="{FF2B5EF4-FFF2-40B4-BE49-F238E27FC236}">
-                <a16:creationId xmlns:a16="http://schemas.microsoft.com/office/drawing/2014/main" id="{2D660D98-D705-47FB-2820-7DAEA40B28DC}"/>
-              </a:ext>
-            </a:extLst>
-          </p:cNvPr>
-          <p:cNvSpPr txBox="1"/>
-          <p:nvPr/>
-        </p:nvSpPr>
-        <p:spPr>
-          <a:xfrm>
-            <a:off x="839853" y="2214437"/>
-            <a:ext cx="717550" cy="276999"/>
-          </a:xfrm>
-          <a:prstGeom prst="rect">
-            <a:avLst/>
-          </a:prstGeom>
-          <a:noFill/>
-        </p:spPr>
-        <p:txBody>
-          <a:bodyPr wrap="square" rtlCol="0">
-            <a:spAutoFit/>
-          </a:bodyPr>
-          <a:lstStyle/>
-          <a:p>
-            <a:pPr algn="ctr"/>
-            <a:r>
-              <a:rPr lang="en-US" sz="1200" b="1" dirty="0">
-                <a:latin typeface="Times New Roman" panose="02020603050405020304" pitchFamily="18" charset="0"/>
-                <a:cs typeface="Times New Roman" panose="02020603050405020304" pitchFamily="18" charset="0"/>
-              </a:rPr>
-              <a:t>t = .1</a:t>
-            </a:r>
-          </a:p>
-        </p:txBody>
-      </p:sp>
-      <p:sp>
-        <p:nvSpPr>
-          <p:cNvPr id="20" name="TextBox 19">
-            <a:extLst>
-              <a:ext uri="{FF2B5EF4-FFF2-40B4-BE49-F238E27FC236}">
-                <a16:creationId xmlns:a16="http://schemas.microsoft.com/office/drawing/2014/main" id="{652D4D94-DD63-79ED-62B0-8081DE763C7F}"/>
-              </a:ext>
-            </a:extLst>
-          </p:cNvPr>
-          <p:cNvSpPr txBox="1"/>
-          <p:nvPr/>
-        </p:nvSpPr>
-        <p:spPr>
-          <a:xfrm>
-            <a:off x="3184263" y="2214437"/>
-            <a:ext cx="717550" cy="276999"/>
-          </a:xfrm>
-          <a:prstGeom prst="rect">
-            <a:avLst/>
-          </a:prstGeom>
-          <a:noFill/>
-        </p:spPr>
-        <p:txBody>
-          <a:bodyPr wrap="square" rtlCol="0">
-            <a:spAutoFit/>
-          </a:bodyPr>
-          <a:lstStyle/>
-          <a:p>
-            <a:pPr algn="ctr"/>
-            <a:r>
-              <a:rPr lang="en-US" sz="1200" b="1" dirty="0">
-                <a:latin typeface="Times New Roman" panose="02020603050405020304" pitchFamily="18" charset="0"/>
-                <a:cs typeface="Times New Roman" panose="02020603050405020304" pitchFamily="18" charset="0"/>
-              </a:rPr>
-              <a:t>t = .2</a:t>
-            </a:r>
-          </a:p>
-        </p:txBody>
-      </p:sp>
-      <p:sp>
-        <p:nvSpPr>
-          <p:cNvPr id="21" name="TextBox 20">
-            <a:extLst>
-              <a:ext uri="{FF2B5EF4-FFF2-40B4-BE49-F238E27FC236}">
-                <a16:creationId xmlns:a16="http://schemas.microsoft.com/office/drawing/2014/main" id="{C3F68A7D-EDAB-9578-FEC6-EAED9997253E}"/>
-              </a:ext>
-            </a:extLst>
-          </p:cNvPr>
-          <p:cNvSpPr txBox="1"/>
-          <p:nvPr/>
-        </p:nvSpPr>
-        <p:spPr>
-          <a:xfrm>
-            <a:off x="5530326" y="2214437"/>
-            <a:ext cx="717550" cy="276999"/>
-          </a:xfrm>
-          <a:prstGeom prst="rect">
-            <a:avLst/>
-          </a:prstGeom>
-          <a:noFill/>
-        </p:spPr>
-        <p:txBody>
-          <a:bodyPr wrap="square" rtlCol="0">
-            <a:spAutoFit/>
-          </a:bodyPr>
-          <a:lstStyle/>
-          <a:p>
-            <a:pPr algn="ctr"/>
-            <a:r>
-              <a:rPr lang="en-US" sz="1200" b="1" dirty="0">
-                <a:latin typeface="Times New Roman" panose="02020603050405020304" pitchFamily="18" charset="0"/>
-                <a:cs typeface="Times New Roman" panose="02020603050405020304" pitchFamily="18" charset="0"/>
-              </a:rPr>
-              <a:t>t = .3</a:t>
-            </a:r>
-          </a:p>
-        </p:txBody>
-      </p:sp>
-      <p:sp>
-        <p:nvSpPr>
-          <p:cNvPr id="22" name="TextBox 21">
-            <a:extLst>
-              <a:ext uri="{FF2B5EF4-FFF2-40B4-BE49-F238E27FC236}">
-                <a16:creationId xmlns:a16="http://schemas.microsoft.com/office/drawing/2014/main" id="{976891ED-60D8-1645-FD13-CCD7AA1DB609}"/>
-              </a:ext>
-            </a:extLst>
-          </p:cNvPr>
-          <p:cNvSpPr txBox="1"/>
-          <p:nvPr/>
-        </p:nvSpPr>
-        <p:spPr>
-          <a:xfrm>
-            <a:off x="7873083" y="2217873"/>
-            <a:ext cx="717550" cy="276999"/>
-          </a:xfrm>
-          <a:prstGeom prst="rect">
-            <a:avLst/>
-          </a:prstGeom>
-          <a:noFill/>
-        </p:spPr>
-        <p:txBody>
-          <a:bodyPr wrap="square" rtlCol="0">
-            <a:spAutoFit/>
-          </a:bodyPr>
-          <a:lstStyle/>
-          <a:p>
-            <a:pPr algn="ctr"/>
-            <a:r>
-              <a:rPr lang="en-US" sz="1200" b="1" dirty="0">
-                <a:latin typeface="Times New Roman" panose="02020603050405020304" pitchFamily="18" charset="0"/>
-                <a:cs typeface="Times New Roman" panose="02020603050405020304" pitchFamily="18" charset="0"/>
-              </a:rPr>
-              <a:t>t = .4</a:t>
-            </a:r>
-          </a:p>
-        </p:txBody>
-      </p:sp>
-      <p:sp>
-        <p:nvSpPr>
-          <p:cNvPr id="23" name="TextBox 22">
-            <a:extLst>
-              <a:ext uri="{FF2B5EF4-FFF2-40B4-BE49-F238E27FC236}">
-                <a16:creationId xmlns:a16="http://schemas.microsoft.com/office/drawing/2014/main" id="{2866B640-40D7-2E11-9058-FF92362AA910}"/>
-              </a:ext>
-            </a:extLst>
-          </p:cNvPr>
-          <p:cNvSpPr txBox="1"/>
-          <p:nvPr/>
-        </p:nvSpPr>
-        <p:spPr>
-          <a:xfrm>
-            <a:off x="10217493" y="2214437"/>
-            <a:ext cx="717550" cy="276999"/>
-          </a:xfrm>
-          <a:prstGeom prst="rect">
-            <a:avLst/>
-          </a:prstGeom>
-          <a:noFill/>
-        </p:spPr>
-        <p:txBody>
-          <a:bodyPr wrap="square" rtlCol="0">
-            <a:spAutoFit/>
-          </a:bodyPr>
-          <a:lstStyle/>
-          <a:p>
-            <a:pPr algn="ctr"/>
-            <a:r>
-              <a:rPr lang="en-US" sz="1200" b="1" dirty="0">
-                <a:latin typeface="Times New Roman" panose="02020603050405020304" pitchFamily="18" charset="0"/>
-                <a:cs typeface="Times New Roman" panose="02020603050405020304" pitchFamily="18" charset="0"/>
-              </a:rPr>
-              <a:t>t = .5</a:t>
-            </a:r>
-          </a:p>
-        </p:txBody>
-      </p:sp>
       <p:pic>
         <p:nvPicPr>
-          <p:cNvPr id="25" name="Picture 24" descr="A white circle on a black background&#10;&#10;Description automatically generated">
-            <a:extLst>
-              <a:ext uri="{FF2B5EF4-FFF2-40B4-BE49-F238E27FC236}">
-                <a16:creationId xmlns:a16="http://schemas.microsoft.com/office/drawing/2014/main" id="{D0ACF28B-6605-0949-D199-BEDE089AB600}"/>
+          <p:cNvPr id="26" name="Picture 25" descr="A white circle on a black background&#10;&#10;Description automatically generated">
+            <a:extLst>
+              <a:ext uri="{FF2B5EF4-FFF2-40B4-BE49-F238E27FC236}">
+                <a16:creationId xmlns:a16="http://schemas.microsoft.com/office/drawing/2014/main" id="{06E62B57-9A4F-92C5-17B3-25F9BFA3FB0A}"/>
               </a:ext>
             </a:extLst>
           </p:cNvPr>
@@ -4135,7 +4335,7 @@
           <p:nvPr/>
         </p:nvPicPr>
         <p:blipFill>
-          <a:blip r:embed="rId2">
+          <a:blip r:embed="rId7">
             <a:extLst>
               <a:ext uri="{28A0092B-C50C-407E-A947-70E740481C1C}">
                 <a14:useLocalDpi xmlns:a14="http://schemas.microsoft.com/office/drawing/2010/main" val="0"/>
@@ -4148,8 +4348,8 @@
         </p:blipFill>
         <p:spPr>
           <a:xfrm>
-            <a:off x="120651" y="3429000"/>
-            <a:ext cx="2155955" cy="2155955"/>
+            <a:off x="265028" y="3769850"/>
+            <a:ext cx="2155956" cy="2155956"/>
           </a:xfrm>
           <a:prstGeom prst="rect">
             <a:avLst/>
@@ -4158,10 +4358,10 @@
       </p:pic>
       <p:pic>
         <p:nvPicPr>
-          <p:cNvPr id="27" name="Picture 26" descr="A white circle on a black background&#10;&#10;Description automatically generated">
-            <a:extLst>
-              <a:ext uri="{FF2B5EF4-FFF2-40B4-BE49-F238E27FC236}">
-                <a16:creationId xmlns:a16="http://schemas.microsoft.com/office/drawing/2014/main" id="{34AFF8E0-B11A-4664-AB95-56B7645922DF}"/>
+          <p:cNvPr id="3" name="Picture 2" descr="A white circle on a black background&#10;&#10;Description automatically generated">
+            <a:extLst>
+              <a:ext uri="{FF2B5EF4-FFF2-40B4-BE49-F238E27FC236}">
+                <a16:creationId xmlns:a16="http://schemas.microsoft.com/office/drawing/2014/main" id="{E8D4CA15-8C0D-2870-E929-FA213A69C7D1}"/>
               </a:ext>
             </a:extLst>
           </p:cNvPr>
@@ -4171,7 +4371,7 @@
           <p:nvPr/>
         </p:nvPicPr>
         <p:blipFill>
-          <a:blip r:embed="rId2">
+          <a:blip r:embed="rId8">
             <a:extLst>
               <a:ext uri="{28A0092B-C50C-407E-A947-70E740481C1C}">
                 <a14:useLocalDpi xmlns:a14="http://schemas.microsoft.com/office/drawing/2010/main" val="0"/>
@@ -4184,7 +4384,7 @@
         </p:blipFill>
         <p:spPr>
           <a:xfrm>
-            <a:off x="2465060" y="3447181"/>
+            <a:off x="2547240" y="3789944"/>
             <a:ext cx="2155956" cy="2155956"/>
           </a:xfrm>
           <a:prstGeom prst="rect">
@@ -4194,10 +4394,10 @@
       </p:pic>
       <p:pic>
         <p:nvPicPr>
-          <p:cNvPr id="29" name="Picture 28" descr="A white circle on a black background&#10;&#10;Description automatically generated">
-            <a:extLst>
-              <a:ext uri="{FF2B5EF4-FFF2-40B4-BE49-F238E27FC236}">
-                <a16:creationId xmlns:a16="http://schemas.microsoft.com/office/drawing/2014/main" id="{1292DAB7-CB07-FF3A-7F8A-90F11B90BEAA}"/>
+          <p:cNvPr id="5" name="Picture 4" descr="A white circle on a black background&#10;&#10;Description automatically generated">
+            <a:extLst>
+              <a:ext uri="{FF2B5EF4-FFF2-40B4-BE49-F238E27FC236}">
+                <a16:creationId xmlns:a16="http://schemas.microsoft.com/office/drawing/2014/main" id="{B77D4F29-4E3F-808A-CC24-699BE6701235}"/>
               </a:ext>
             </a:extLst>
           </p:cNvPr>
@@ -4207,7 +4407,7 @@
           <p:nvPr/>
         </p:nvPicPr>
         <p:blipFill>
-          <a:blip r:embed="rId2">
+          <a:blip r:embed="rId9">
             <a:extLst>
               <a:ext uri="{28A0092B-C50C-407E-A947-70E740481C1C}">
                 <a14:useLocalDpi xmlns:a14="http://schemas.microsoft.com/office/drawing/2010/main" val="0"/>
@@ -4220,7 +4420,7 @@
         </p:blipFill>
         <p:spPr>
           <a:xfrm>
-            <a:off x="4809470" y="3447180"/>
+            <a:off x="4953848" y="3769849"/>
             <a:ext cx="2155957" cy="2155957"/>
           </a:xfrm>
           <a:prstGeom prst="rect">
@@ -4230,10 +4430,10 @@
       </p:pic>
       <p:pic>
         <p:nvPicPr>
-          <p:cNvPr id="31" name="Picture 30" descr="A white circle on a black background&#10;&#10;Description automatically generated">
-            <a:extLst>
-              <a:ext uri="{FF2B5EF4-FFF2-40B4-BE49-F238E27FC236}">
-                <a16:creationId xmlns:a16="http://schemas.microsoft.com/office/drawing/2014/main" id="{598869D0-B7F9-CFD6-C74E-3A259D76AA86}"/>
+          <p:cNvPr id="8" name="Picture 7" descr="A white circle on a black background&#10;&#10;Description automatically generated">
+            <a:extLst>
+              <a:ext uri="{FF2B5EF4-FFF2-40B4-BE49-F238E27FC236}">
+                <a16:creationId xmlns:a16="http://schemas.microsoft.com/office/drawing/2014/main" id="{7CBED83C-8465-5426-B83F-B9E795A13F0F}"/>
               </a:ext>
             </a:extLst>
           </p:cNvPr>
@@ -4243,7 +4443,7 @@
           <p:nvPr/>
         </p:nvPicPr>
         <p:blipFill>
-          <a:blip r:embed="rId2">
+          <a:blip r:embed="rId10">
             <a:extLst>
               <a:ext uri="{28A0092B-C50C-407E-A947-70E740481C1C}">
                 <a14:useLocalDpi xmlns:a14="http://schemas.microsoft.com/office/drawing/2010/main" val="0"/>
@@ -4256,7 +4456,7 @@
         </p:blipFill>
         <p:spPr>
           <a:xfrm>
-            <a:off x="7153880" y="3447180"/>
+            <a:off x="7338395" y="3789943"/>
             <a:ext cx="2155957" cy="2155957"/>
           </a:xfrm>
           <a:prstGeom prst="rect">
@@ -4266,10 +4466,10 @@
       </p:pic>
       <p:pic>
         <p:nvPicPr>
-          <p:cNvPr id="33" name="Picture 32" descr="A white circle on a black background&#10;&#10;Description automatically generated">
-            <a:extLst>
-              <a:ext uri="{FF2B5EF4-FFF2-40B4-BE49-F238E27FC236}">
-                <a16:creationId xmlns:a16="http://schemas.microsoft.com/office/drawing/2014/main" id="{FD408053-8E3E-C1A0-A0D1-D7E6211AA337}"/>
+          <p:cNvPr id="12" name="Picture 11" descr="A white circle on a black background&#10;&#10;Description automatically generated">
+            <a:extLst>
+              <a:ext uri="{FF2B5EF4-FFF2-40B4-BE49-F238E27FC236}">
+                <a16:creationId xmlns:a16="http://schemas.microsoft.com/office/drawing/2014/main" id="{0664C9AA-2D3D-5AA1-DB65-429103150CBE}"/>
               </a:ext>
             </a:extLst>
           </p:cNvPr>
@@ -4279,7 +4479,7 @@
           <p:nvPr/>
         </p:nvPicPr>
         <p:blipFill>
-          <a:blip r:embed="rId2">
+          <a:blip r:embed="rId11">
             <a:extLst>
               <a:ext uri="{28A0092B-C50C-407E-A947-70E740481C1C}">
                 <a14:useLocalDpi xmlns:a14="http://schemas.microsoft.com/office/drawing/2010/main" val="0"/>
@@ -4292,209 +4492,14 @@
         </p:blipFill>
         <p:spPr>
           <a:xfrm>
-            <a:off x="9498291" y="3447182"/>
-            <a:ext cx="2155955" cy="2155955"/>
+            <a:off x="9642669" y="3769848"/>
+            <a:ext cx="2155957" cy="2155957"/>
           </a:xfrm>
           <a:prstGeom prst="rect">
             <a:avLst/>
           </a:prstGeom>
         </p:spPr>
       </p:pic>
-      <p:sp>
-        <p:nvSpPr>
-          <p:cNvPr id="34" name="TextBox 33">
-            <a:extLst>
-              <a:ext uri="{FF2B5EF4-FFF2-40B4-BE49-F238E27FC236}">
-                <a16:creationId xmlns:a16="http://schemas.microsoft.com/office/drawing/2014/main" id="{F2F673E4-369A-48DE-B6B3-0FC506588671}"/>
-              </a:ext>
-            </a:extLst>
-          </p:cNvPr>
-          <p:cNvSpPr txBox="1"/>
-          <p:nvPr/>
-        </p:nvSpPr>
-        <p:spPr>
-          <a:xfrm>
-            <a:off x="839853" y="5464637"/>
-            <a:ext cx="717550" cy="276999"/>
-          </a:xfrm>
-          <a:prstGeom prst="rect">
-            <a:avLst/>
-          </a:prstGeom>
-          <a:noFill/>
-        </p:spPr>
-        <p:txBody>
-          <a:bodyPr wrap="square" rtlCol="0">
-            <a:spAutoFit/>
-          </a:bodyPr>
-          <a:lstStyle/>
-          <a:p>
-            <a:pPr algn="ctr"/>
-            <a:r>
-              <a:rPr lang="en-US" sz="1200" b="1" dirty="0">
-                <a:latin typeface="Times New Roman" panose="02020603050405020304" pitchFamily="18" charset="0"/>
-                <a:cs typeface="Times New Roman" panose="02020603050405020304" pitchFamily="18" charset="0"/>
-              </a:rPr>
-              <a:t>t = .6</a:t>
-            </a:r>
-          </a:p>
-        </p:txBody>
-      </p:sp>
-      <p:sp>
-        <p:nvSpPr>
-          <p:cNvPr id="35" name="TextBox 34">
-            <a:extLst>
-              <a:ext uri="{FF2B5EF4-FFF2-40B4-BE49-F238E27FC236}">
-                <a16:creationId xmlns:a16="http://schemas.microsoft.com/office/drawing/2014/main" id="{CAAF84B4-08D4-B170-1E6B-54BEA1020464}"/>
-              </a:ext>
-            </a:extLst>
-          </p:cNvPr>
-          <p:cNvSpPr txBox="1"/>
-          <p:nvPr/>
-        </p:nvSpPr>
-        <p:spPr>
-          <a:xfrm>
-            <a:off x="3184263" y="5464637"/>
-            <a:ext cx="717550" cy="276999"/>
-          </a:xfrm>
-          <a:prstGeom prst="rect">
-            <a:avLst/>
-          </a:prstGeom>
-          <a:noFill/>
-        </p:spPr>
-        <p:txBody>
-          <a:bodyPr wrap="square" rtlCol="0">
-            <a:spAutoFit/>
-          </a:bodyPr>
-          <a:lstStyle/>
-          <a:p>
-            <a:pPr algn="ctr"/>
-            <a:r>
-              <a:rPr lang="en-US" sz="1200" b="1" dirty="0">
-                <a:latin typeface="Times New Roman" panose="02020603050405020304" pitchFamily="18" charset="0"/>
-                <a:cs typeface="Times New Roman" panose="02020603050405020304" pitchFamily="18" charset="0"/>
-              </a:rPr>
-              <a:t>t = .7</a:t>
-            </a:r>
-          </a:p>
-        </p:txBody>
-      </p:sp>
-      <p:sp>
-        <p:nvSpPr>
-          <p:cNvPr id="36" name="TextBox 35">
-            <a:extLst>
-              <a:ext uri="{FF2B5EF4-FFF2-40B4-BE49-F238E27FC236}">
-                <a16:creationId xmlns:a16="http://schemas.microsoft.com/office/drawing/2014/main" id="{401F5DC6-2974-8063-F3DA-E52900AC0053}"/>
-              </a:ext>
-            </a:extLst>
-          </p:cNvPr>
-          <p:cNvSpPr txBox="1"/>
-          <p:nvPr/>
-        </p:nvSpPr>
-        <p:spPr>
-          <a:xfrm>
-            <a:off x="5549913" y="5464637"/>
-            <a:ext cx="717550" cy="276999"/>
-          </a:xfrm>
-          <a:prstGeom prst="rect">
-            <a:avLst/>
-          </a:prstGeom>
-          <a:noFill/>
-        </p:spPr>
-        <p:txBody>
-          <a:bodyPr wrap="square" rtlCol="0">
-            <a:spAutoFit/>
-          </a:bodyPr>
-          <a:lstStyle/>
-          <a:p>
-            <a:pPr algn="ctr"/>
-            <a:r>
-              <a:rPr lang="en-US" sz="1200" b="1" dirty="0">
-                <a:latin typeface="Times New Roman" panose="02020603050405020304" pitchFamily="18" charset="0"/>
-                <a:cs typeface="Times New Roman" panose="02020603050405020304" pitchFamily="18" charset="0"/>
-              </a:rPr>
-              <a:t>t = .8</a:t>
-            </a:r>
-          </a:p>
-        </p:txBody>
-      </p:sp>
-      <p:sp>
-        <p:nvSpPr>
-          <p:cNvPr id="37" name="TextBox 36">
-            <a:extLst>
-              <a:ext uri="{FF2B5EF4-FFF2-40B4-BE49-F238E27FC236}">
-                <a16:creationId xmlns:a16="http://schemas.microsoft.com/office/drawing/2014/main" id="{A40E068B-2A2D-E0BE-9F29-13655B4B65CD}"/>
-              </a:ext>
-            </a:extLst>
-          </p:cNvPr>
-          <p:cNvSpPr txBox="1"/>
-          <p:nvPr/>
-        </p:nvSpPr>
-        <p:spPr>
-          <a:xfrm>
-            <a:off x="7915563" y="5446455"/>
-            <a:ext cx="717550" cy="276999"/>
-          </a:xfrm>
-          <a:prstGeom prst="rect">
-            <a:avLst/>
-          </a:prstGeom>
-          <a:noFill/>
-        </p:spPr>
-        <p:txBody>
-          <a:bodyPr wrap="square" rtlCol="0">
-            <a:spAutoFit/>
-          </a:bodyPr>
-          <a:lstStyle/>
-          <a:p>
-            <a:pPr algn="ctr"/>
-            <a:r>
-              <a:rPr lang="en-US" sz="1200" b="1" dirty="0">
-                <a:latin typeface="Times New Roman" panose="02020603050405020304" pitchFamily="18" charset="0"/>
-                <a:cs typeface="Times New Roman" panose="02020603050405020304" pitchFamily="18" charset="0"/>
-              </a:rPr>
-              <a:t>t = .9</a:t>
-            </a:r>
-          </a:p>
-        </p:txBody>
-      </p:sp>
-      <p:sp>
-        <p:nvSpPr>
-          <p:cNvPr id="38" name="TextBox 37">
-            <a:extLst>
-              <a:ext uri="{FF2B5EF4-FFF2-40B4-BE49-F238E27FC236}">
-                <a16:creationId xmlns:a16="http://schemas.microsoft.com/office/drawing/2014/main" id="{4156F1E1-5FD5-AEB9-755F-BB44CDBD17CD}"/>
-              </a:ext>
-            </a:extLst>
-          </p:cNvPr>
-          <p:cNvSpPr txBox="1"/>
-          <p:nvPr/>
-        </p:nvSpPr>
-        <p:spPr>
-          <a:xfrm>
-            <a:off x="10281213" y="5464637"/>
-            <a:ext cx="717550" cy="276999"/>
-          </a:xfrm>
-          <a:prstGeom prst="rect">
-            <a:avLst/>
-          </a:prstGeom>
-          <a:noFill/>
-        </p:spPr>
-        <p:txBody>
-          <a:bodyPr wrap="square" rtlCol="0">
-            <a:spAutoFit/>
-          </a:bodyPr>
-          <a:lstStyle/>
-          <a:p>
-            <a:pPr algn="ctr"/>
-            <a:r>
-              <a:rPr lang="en-US" sz="1200" b="1" dirty="0">
-                <a:latin typeface="Times New Roman" panose="02020603050405020304" pitchFamily="18" charset="0"/>
-                <a:cs typeface="Times New Roman" panose="02020603050405020304" pitchFamily="18" charset="0"/>
-              </a:rPr>
-              <a:t>t = 1</a:t>
-            </a:r>
-          </a:p>
-        </p:txBody>
-      </p:sp>
     </p:spTree>
     <p:extLst>
       <p:ext uri="{BB962C8B-B14F-4D97-AF65-F5344CB8AC3E}">

--- a/CS-6501_Zhang/PS2/PS2/PS2_Q2/code+data/figures/results.pptx
+++ b/CS-6501_Zhang/PS2/PS2/PS2_Q2/code+data/figures/results.pptx
@@ -4168,7 +4168,7 @@
         </p:blipFill>
         <p:spPr>
           <a:xfrm>
-            <a:off x="265029" y="481263"/>
+            <a:off x="265029" y="457447"/>
             <a:ext cx="2155955" cy="2155955"/>
           </a:xfrm>
           <a:prstGeom prst="rect">
@@ -4240,8 +4240,8 @@
         </p:blipFill>
         <p:spPr>
           <a:xfrm>
-            <a:off x="4953850" y="539745"/>
-            <a:ext cx="2155955" cy="2155955"/>
+            <a:off x="4953848" y="457446"/>
+            <a:ext cx="2155957" cy="2155957"/>
           </a:xfrm>
           <a:prstGeom prst="rect">
             <a:avLst/>
@@ -4276,7 +4276,7 @@
         </p:blipFill>
         <p:spPr>
           <a:xfrm>
-            <a:off x="7298259" y="539745"/>
+            <a:off x="7298259" y="457446"/>
             <a:ext cx="2155956" cy="2155956"/>
           </a:xfrm>
           <a:prstGeom prst="rect">
@@ -4312,7 +4312,7 @@
         </p:blipFill>
         <p:spPr>
           <a:xfrm>
-            <a:off x="9642669" y="539745"/>
+            <a:off x="9642669" y="457446"/>
             <a:ext cx="2155956" cy="2155956"/>
           </a:xfrm>
           <a:prstGeom prst="rect">
@@ -4544,7 +4544,7 @@
         </p:nvSpPr>
         <p:spPr>
           <a:xfrm>
-            <a:off x="839853" y="2214437"/>
+            <a:off x="876799" y="2463819"/>
             <a:ext cx="717550" cy="276999"/>
           </a:xfrm>
           <a:prstGeom prst="rect">
@@ -4583,7 +4583,7 @@
         </p:nvSpPr>
         <p:spPr>
           <a:xfrm>
-            <a:off x="3184263" y="2214437"/>
+            <a:off x="3221209" y="2463819"/>
             <a:ext cx="717550" cy="276999"/>
           </a:xfrm>
           <a:prstGeom prst="rect">
@@ -4622,7 +4622,7 @@
         </p:nvSpPr>
         <p:spPr>
           <a:xfrm>
-            <a:off x="5530326" y="2214437"/>
+            <a:off x="5567272" y="2463819"/>
             <a:ext cx="717550" cy="276999"/>
           </a:xfrm>
           <a:prstGeom prst="rect">
@@ -4661,7 +4661,7 @@
         </p:nvSpPr>
         <p:spPr>
           <a:xfrm>
-            <a:off x="7873083" y="2217873"/>
+            <a:off x="7910029" y="2467255"/>
             <a:ext cx="717550" cy="276999"/>
           </a:xfrm>
           <a:prstGeom prst="rect">
@@ -4700,7 +4700,7 @@
         </p:nvSpPr>
         <p:spPr>
           <a:xfrm>
-            <a:off x="10217493" y="2214437"/>
+            <a:off x="10254439" y="2463819"/>
             <a:ext cx="717550" cy="276999"/>
           </a:xfrm>
           <a:prstGeom prst="rect">
@@ -4739,7 +4739,7 @@
         </p:nvSpPr>
         <p:spPr>
           <a:xfrm>
-            <a:off x="839853" y="5464637"/>
+            <a:off x="876799" y="5714019"/>
             <a:ext cx="717550" cy="276999"/>
           </a:xfrm>
           <a:prstGeom prst="rect">
@@ -4778,7 +4778,7 @@
         </p:nvSpPr>
         <p:spPr>
           <a:xfrm>
-            <a:off x="3184263" y="5464637"/>
+            <a:off x="3221209" y="5714019"/>
             <a:ext cx="717550" cy="276999"/>
           </a:xfrm>
           <a:prstGeom prst="rect">
@@ -4817,7 +4817,7 @@
         </p:nvSpPr>
         <p:spPr>
           <a:xfrm>
-            <a:off x="5549913" y="5464637"/>
+            <a:off x="5586859" y="5714019"/>
             <a:ext cx="717550" cy="276999"/>
           </a:xfrm>
           <a:prstGeom prst="rect">
@@ -4856,7 +4856,7 @@
         </p:nvSpPr>
         <p:spPr>
           <a:xfrm>
-            <a:off x="7915563" y="5446455"/>
+            <a:off x="7952509" y="5695837"/>
             <a:ext cx="717550" cy="276999"/>
           </a:xfrm>
           <a:prstGeom prst="rect">
@@ -4895,7 +4895,7 @@
         </p:nvSpPr>
         <p:spPr>
           <a:xfrm>
-            <a:off x="10281213" y="5464637"/>
+            <a:off x="10318159" y="5714019"/>
             <a:ext cx="717550" cy="276999"/>
           </a:xfrm>
           <a:prstGeom prst="rect">
@@ -4922,10 +4922,10 @@
       </p:sp>
       <p:pic>
         <p:nvPicPr>
-          <p:cNvPr id="5" name="Picture 4" descr="A white circle on a black background&#10;&#10;Description automatically generated">
-            <a:extLst>
-              <a:ext uri="{FF2B5EF4-FFF2-40B4-BE49-F238E27FC236}">
-                <a16:creationId xmlns:a16="http://schemas.microsoft.com/office/drawing/2014/main" id="{DD159BB7-EC64-F7DD-D92F-94D03FEDEF33}"/>
+          <p:cNvPr id="3" name="Picture 2" descr="A white circle on a black background&#10;&#10;Description automatically generated">
+            <a:extLst>
+              <a:ext uri="{FF2B5EF4-FFF2-40B4-BE49-F238E27FC236}">
+                <a16:creationId xmlns:a16="http://schemas.microsoft.com/office/drawing/2014/main" id="{4BB18D07-A05A-5136-0924-54C8C98A9D3F}"/>
               </a:ext>
             </a:extLst>
           </p:cNvPr>
@@ -4948,8 +4948,8 @@
         </p:blipFill>
         <p:spPr>
           <a:xfrm>
-            <a:off x="120650" y="77565"/>
-            <a:ext cx="2155956" cy="2155956"/>
+            <a:off x="157597" y="307865"/>
+            <a:ext cx="2155954" cy="2155954"/>
           </a:xfrm>
           <a:prstGeom prst="rect">
             <a:avLst/>
@@ -4958,10 +4958,10 @@
       </p:pic>
       <p:pic>
         <p:nvPicPr>
-          <p:cNvPr id="8" name="Picture 7" descr="A white circle on a black background&#10;&#10;Description automatically generated">
-            <a:extLst>
-              <a:ext uri="{FF2B5EF4-FFF2-40B4-BE49-F238E27FC236}">
-                <a16:creationId xmlns:a16="http://schemas.microsoft.com/office/drawing/2014/main" id="{C78DDB57-04BC-3645-8998-8409ADD02C8D}"/>
+          <p:cNvPr id="6" name="Picture 5" descr="A white circle on a black background&#10;&#10;Description automatically generated">
+            <a:extLst>
+              <a:ext uri="{FF2B5EF4-FFF2-40B4-BE49-F238E27FC236}">
+                <a16:creationId xmlns:a16="http://schemas.microsoft.com/office/drawing/2014/main" id="{1405823E-3290-99CA-421E-677E8059A0BD}"/>
               </a:ext>
             </a:extLst>
           </p:cNvPr>
@@ -4971,7 +4971,7 @@
           <p:nvPr/>
         </p:nvPicPr>
         <p:blipFill>
-          <a:blip r:embed="rId2">
+          <a:blip r:embed="rId3">
             <a:extLst>
               <a:ext uri="{28A0092B-C50C-407E-A947-70E740481C1C}">
                 <a14:useLocalDpi xmlns:a14="http://schemas.microsoft.com/office/drawing/2010/main" val="0"/>
@@ -4984,8 +4984,8 @@
         </p:blipFill>
         <p:spPr>
           <a:xfrm>
-            <a:off x="2410995" y="58482"/>
-            <a:ext cx="2155955" cy="2155955"/>
+            <a:off x="2502007" y="307865"/>
+            <a:ext cx="2155954" cy="2155954"/>
           </a:xfrm>
           <a:prstGeom prst="rect">
             <a:avLst/>
@@ -4994,10 +4994,10 @@
       </p:pic>
       <p:pic>
         <p:nvPicPr>
-          <p:cNvPr id="10" name="Picture 9" descr="A white circle on a black background&#10;&#10;Description automatically generated">
-            <a:extLst>
-              <a:ext uri="{FF2B5EF4-FFF2-40B4-BE49-F238E27FC236}">
-                <a16:creationId xmlns:a16="http://schemas.microsoft.com/office/drawing/2014/main" id="{0269D62B-AAE6-2ECE-8EAB-2FDB0A10CF2F}"/>
+          <p:cNvPr id="9" name="Picture 8" descr="A white circle on a black background&#10;&#10;Description automatically generated">
+            <a:extLst>
+              <a:ext uri="{FF2B5EF4-FFF2-40B4-BE49-F238E27FC236}">
+                <a16:creationId xmlns:a16="http://schemas.microsoft.com/office/drawing/2014/main" id="{414F7BDB-2B55-7703-C881-EFE0C13C70F1}"/>
               </a:ext>
             </a:extLst>
           </p:cNvPr>
@@ -5007,7 +5007,7 @@
           <p:nvPr/>
         </p:nvPicPr>
         <p:blipFill>
-          <a:blip r:embed="rId2">
+          <a:blip r:embed="rId4">
             <a:extLst>
               <a:ext uri="{28A0092B-C50C-407E-A947-70E740481C1C}">
                 <a14:useLocalDpi xmlns:a14="http://schemas.microsoft.com/office/drawing/2010/main" val="0"/>
@@ -5020,8 +5020,8 @@
         </p:blipFill>
         <p:spPr>
           <a:xfrm>
-            <a:off x="4809470" y="77565"/>
-            <a:ext cx="2155956" cy="2155956"/>
+            <a:off x="4846417" y="307865"/>
+            <a:ext cx="2155954" cy="2155954"/>
           </a:xfrm>
           <a:prstGeom prst="rect">
             <a:avLst/>
@@ -5030,10 +5030,10 @@
       </p:pic>
       <p:pic>
         <p:nvPicPr>
-          <p:cNvPr id="12" name="Picture 11" descr="A white circle on a black background&#10;&#10;Description automatically generated">
-            <a:extLst>
-              <a:ext uri="{FF2B5EF4-FFF2-40B4-BE49-F238E27FC236}">
-                <a16:creationId xmlns:a16="http://schemas.microsoft.com/office/drawing/2014/main" id="{BA3CA992-39BF-806F-9633-EDBC753F377B}"/>
+          <p:cNvPr id="13" name="Picture 12" descr="A white circle on a black background&#10;&#10;Description automatically generated">
+            <a:extLst>
+              <a:ext uri="{FF2B5EF4-FFF2-40B4-BE49-F238E27FC236}">
+                <a16:creationId xmlns:a16="http://schemas.microsoft.com/office/drawing/2014/main" id="{2C2D8959-AE4B-158F-FBC2-F681975C09F1}"/>
               </a:ext>
             </a:extLst>
           </p:cNvPr>
@@ -5043,7 +5043,7 @@
           <p:nvPr/>
         </p:nvPicPr>
         <p:blipFill>
-          <a:blip r:embed="rId2">
+          <a:blip r:embed="rId5">
             <a:extLst>
               <a:ext uri="{28A0092B-C50C-407E-A947-70E740481C1C}">
                 <a14:useLocalDpi xmlns:a14="http://schemas.microsoft.com/office/drawing/2010/main" val="0"/>
@@ -5056,8 +5056,8 @@
         </p:blipFill>
         <p:spPr>
           <a:xfrm>
-            <a:off x="7196361" y="77567"/>
-            <a:ext cx="2155954" cy="2155954"/>
+            <a:off x="7233306" y="305950"/>
+            <a:ext cx="2155955" cy="2155955"/>
           </a:xfrm>
           <a:prstGeom prst="rect">
             <a:avLst/>
@@ -5066,10 +5066,10 @@
       </p:pic>
       <p:pic>
         <p:nvPicPr>
-          <p:cNvPr id="14" name="Picture 13" descr="A white circle on a black background&#10;&#10;Description automatically generated">
-            <a:extLst>
-              <a:ext uri="{FF2B5EF4-FFF2-40B4-BE49-F238E27FC236}">
-                <a16:creationId xmlns:a16="http://schemas.microsoft.com/office/drawing/2014/main" id="{9A782ABE-C1D9-8188-11C8-FCE0169CEC1F}"/>
+          <p:cNvPr id="17" name="Picture 16" descr="A white circle on a black background&#10;&#10;Description automatically generated">
+            <a:extLst>
+              <a:ext uri="{FF2B5EF4-FFF2-40B4-BE49-F238E27FC236}">
+                <a16:creationId xmlns:a16="http://schemas.microsoft.com/office/drawing/2014/main" id="{36F67AC4-9E12-0407-EFCC-F5A2155E30FA}"/>
               </a:ext>
             </a:extLst>
           </p:cNvPr>
@@ -5079,7 +5079,7 @@
           <p:nvPr/>
         </p:nvPicPr>
         <p:blipFill>
-          <a:blip r:embed="rId2">
+          <a:blip r:embed="rId6">
             <a:extLst>
               <a:ext uri="{28A0092B-C50C-407E-A947-70E740481C1C}">
                 <a14:useLocalDpi xmlns:a14="http://schemas.microsoft.com/office/drawing/2010/main" val="0"/>
@@ -5092,8 +5092,8 @@
         </p:blipFill>
         <p:spPr>
           <a:xfrm>
-            <a:off x="9562011" y="77567"/>
-            <a:ext cx="2155954" cy="2155954"/>
+            <a:off x="9535236" y="287768"/>
+            <a:ext cx="2155955" cy="2155955"/>
           </a:xfrm>
           <a:prstGeom prst="rect">
             <a:avLst/>
@@ -5102,10 +5102,10 @@
       </p:pic>
       <p:pic>
         <p:nvPicPr>
-          <p:cNvPr id="16" name="Picture 15" descr="A white circle on a black background&#10;&#10;Description automatically generated">
-            <a:extLst>
-              <a:ext uri="{FF2B5EF4-FFF2-40B4-BE49-F238E27FC236}">
-                <a16:creationId xmlns:a16="http://schemas.microsoft.com/office/drawing/2014/main" id="{4AC4E1E3-013B-ED69-C88A-5CE71D69CE62}"/>
+          <p:cNvPr id="26" name="Picture 25" descr="A white circle on a black background&#10;&#10;Description automatically generated">
+            <a:extLst>
+              <a:ext uri="{FF2B5EF4-FFF2-40B4-BE49-F238E27FC236}">
+                <a16:creationId xmlns:a16="http://schemas.microsoft.com/office/drawing/2014/main" id="{2414F86C-C31E-AF28-8092-0F08116E855E}"/>
               </a:ext>
             </a:extLst>
           </p:cNvPr>
@@ -5115,7 +5115,7 @@
           <p:nvPr/>
         </p:nvPicPr>
         <p:blipFill>
-          <a:blip r:embed="rId2">
+          <a:blip r:embed="rId7">
             <a:extLst>
               <a:ext uri="{28A0092B-C50C-407E-A947-70E740481C1C}">
                 <a14:useLocalDpi xmlns:a14="http://schemas.microsoft.com/office/drawing/2010/main" val="0"/>
@@ -5128,8 +5128,8 @@
         </p:blipFill>
         <p:spPr>
           <a:xfrm>
-            <a:off x="120650" y="3288587"/>
-            <a:ext cx="2155956" cy="2155956"/>
+            <a:off x="157597" y="3537969"/>
+            <a:ext cx="2155955" cy="2155955"/>
           </a:xfrm>
           <a:prstGeom prst="rect">
             <a:avLst/>
@@ -5138,10 +5138,10 @@
       </p:pic>
       <p:pic>
         <p:nvPicPr>
-          <p:cNvPr id="19" name="Picture 18" descr="A white circle on a black background&#10;&#10;Description automatically generated">
-            <a:extLst>
-              <a:ext uri="{FF2B5EF4-FFF2-40B4-BE49-F238E27FC236}">
-                <a16:creationId xmlns:a16="http://schemas.microsoft.com/office/drawing/2014/main" id="{3934673E-2D50-64A8-A518-F436EC4AD930}"/>
+          <p:cNvPr id="30" name="Picture 29" descr="A white circle on a black background&#10;&#10;Description automatically generated">
+            <a:extLst>
+              <a:ext uri="{FF2B5EF4-FFF2-40B4-BE49-F238E27FC236}">
+                <a16:creationId xmlns:a16="http://schemas.microsoft.com/office/drawing/2014/main" id="{19B61950-AD23-91C7-7199-FDE49F12F0D1}"/>
               </a:ext>
             </a:extLst>
           </p:cNvPr>
@@ -5151,7 +5151,7 @@
           <p:nvPr/>
         </p:nvPicPr>
         <p:blipFill>
-          <a:blip r:embed="rId2">
+          <a:blip r:embed="rId8">
             <a:extLst>
               <a:ext uri="{28A0092B-C50C-407E-A947-70E740481C1C}">
                 <a14:useLocalDpi xmlns:a14="http://schemas.microsoft.com/office/drawing/2010/main" val="0"/>
@@ -5164,8 +5164,8 @@
         </p:blipFill>
         <p:spPr>
           <a:xfrm>
-            <a:off x="2465060" y="3308681"/>
-            <a:ext cx="2155956" cy="2155956"/>
+            <a:off x="2502006" y="3537968"/>
+            <a:ext cx="2155955" cy="2155955"/>
           </a:xfrm>
           <a:prstGeom prst="rect">
             <a:avLst/>
@@ -5174,10 +5174,10 @@
       </p:pic>
       <p:pic>
         <p:nvPicPr>
-          <p:cNvPr id="25" name="Picture 24" descr="A white circle on a black background&#10;&#10;Description automatically generated">
-            <a:extLst>
-              <a:ext uri="{FF2B5EF4-FFF2-40B4-BE49-F238E27FC236}">
-                <a16:creationId xmlns:a16="http://schemas.microsoft.com/office/drawing/2014/main" id="{DAAB2F82-01C9-CE11-4212-C77C20C69A44}"/>
+          <p:cNvPr id="32" name="Picture 31" descr="A white circle on a black background&#10;&#10;Description automatically generated">
+            <a:extLst>
+              <a:ext uri="{FF2B5EF4-FFF2-40B4-BE49-F238E27FC236}">
+                <a16:creationId xmlns:a16="http://schemas.microsoft.com/office/drawing/2014/main" id="{D0682E5A-8E89-E407-BA03-7D8A077BA726}"/>
               </a:ext>
             </a:extLst>
           </p:cNvPr>
@@ -5187,7 +5187,7 @@
           <p:nvPr/>
         </p:nvPicPr>
         <p:blipFill>
-          <a:blip r:embed="rId2">
+          <a:blip r:embed="rId9">
             <a:extLst>
               <a:ext uri="{28A0092B-C50C-407E-A947-70E740481C1C}">
                 <a14:useLocalDpi xmlns:a14="http://schemas.microsoft.com/office/drawing/2010/main" val="0"/>
@@ -5200,8 +5200,8 @@
         </p:blipFill>
         <p:spPr>
           <a:xfrm>
-            <a:off x="4830709" y="3308681"/>
-            <a:ext cx="2155957" cy="2155957"/>
+            <a:off x="4899250" y="3537967"/>
+            <a:ext cx="2155955" cy="2155955"/>
           </a:xfrm>
           <a:prstGeom prst="rect">
             <a:avLst/>
@@ -5210,10 +5210,10 @@
       </p:pic>
       <p:pic>
         <p:nvPicPr>
-          <p:cNvPr id="27" name="Picture 26" descr="A white circle on a black background&#10;&#10;Description automatically generated">
-            <a:extLst>
-              <a:ext uri="{FF2B5EF4-FFF2-40B4-BE49-F238E27FC236}">
-                <a16:creationId xmlns:a16="http://schemas.microsoft.com/office/drawing/2014/main" id="{4E5EAB60-41B0-9D70-E293-E6EEB44ABC71}"/>
+          <p:cNvPr id="39" name="Picture 38" descr="A white circle on a black background&#10;&#10;Description automatically generated">
+            <a:extLst>
+              <a:ext uri="{FF2B5EF4-FFF2-40B4-BE49-F238E27FC236}">
+                <a16:creationId xmlns:a16="http://schemas.microsoft.com/office/drawing/2014/main" id="{C59D0FBF-D284-CAE3-7A95-8A543AC01136}"/>
               </a:ext>
             </a:extLst>
           </p:cNvPr>
@@ -5223,7 +5223,7 @@
           <p:nvPr/>
         </p:nvPicPr>
         <p:blipFill>
-          <a:blip r:embed="rId2">
+          <a:blip r:embed="rId10">
             <a:extLst>
               <a:ext uri="{28A0092B-C50C-407E-A947-70E740481C1C}">
                 <a14:useLocalDpi xmlns:a14="http://schemas.microsoft.com/office/drawing/2010/main" val="0"/>
@@ -5236,8 +5236,8 @@
         </p:blipFill>
         <p:spPr>
           <a:xfrm>
-            <a:off x="7196359" y="3308681"/>
-            <a:ext cx="2155957" cy="2155957"/>
+            <a:off x="7296494" y="3537967"/>
+            <a:ext cx="2155955" cy="2155955"/>
           </a:xfrm>
           <a:prstGeom prst="rect">
             <a:avLst/>
@@ -5246,10 +5246,10 @@
       </p:pic>
       <p:pic>
         <p:nvPicPr>
-          <p:cNvPr id="29" name="Picture 28" descr="A white circle on a black background&#10;&#10;Description automatically generated">
-            <a:extLst>
-              <a:ext uri="{FF2B5EF4-FFF2-40B4-BE49-F238E27FC236}">
-                <a16:creationId xmlns:a16="http://schemas.microsoft.com/office/drawing/2014/main" id="{FFE44100-21A8-2160-0A84-6B6509CB5EF4}"/>
+          <p:cNvPr id="41" name="Picture 40" descr="A white circle on a black background&#10;&#10;Description automatically generated">
+            <a:extLst>
+              <a:ext uri="{FF2B5EF4-FFF2-40B4-BE49-F238E27FC236}">
+                <a16:creationId xmlns:a16="http://schemas.microsoft.com/office/drawing/2014/main" id="{07DAA4CA-3A13-A0DD-BBA6-D214D6228C23}"/>
               </a:ext>
             </a:extLst>
           </p:cNvPr>
@@ -5259,7 +5259,7 @@
           <p:nvPr/>
         </p:nvPicPr>
         <p:blipFill>
-          <a:blip r:embed="rId2">
+          <a:blip r:embed="rId11">
             <a:extLst>
               <a:ext uri="{28A0092B-C50C-407E-A947-70E740481C1C}">
                 <a14:useLocalDpi xmlns:a14="http://schemas.microsoft.com/office/drawing/2010/main" val="0"/>
@@ -5272,8 +5272,8 @@
         </p:blipFill>
         <p:spPr>
           <a:xfrm>
-            <a:off x="9562009" y="3308684"/>
-            <a:ext cx="2155953" cy="2155953"/>
+            <a:off x="9598956" y="3537966"/>
+            <a:ext cx="2155955" cy="2155955"/>
           </a:xfrm>
           <a:prstGeom prst="rect">
             <a:avLst/>
@@ -5324,7 +5324,7 @@
         </p:nvSpPr>
         <p:spPr>
           <a:xfrm>
-            <a:off x="839853" y="2214437"/>
+            <a:off x="839853" y="2473055"/>
             <a:ext cx="717550" cy="276999"/>
           </a:xfrm>
           <a:prstGeom prst="rect">
@@ -5363,7 +5363,7 @@
         </p:nvSpPr>
         <p:spPr>
           <a:xfrm>
-            <a:off x="3184263" y="2214437"/>
+            <a:off x="3184263" y="2473055"/>
             <a:ext cx="717550" cy="276999"/>
           </a:xfrm>
           <a:prstGeom prst="rect">
@@ -5402,7 +5402,7 @@
         </p:nvSpPr>
         <p:spPr>
           <a:xfrm>
-            <a:off x="5530326" y="2214437"/>
+            <a:off x="5530326" y="2473055"/>
             <a:ext cx="717550" cy="276999"/>
           </a:xfrm>
           <a:prstGeom prst="rect">
@@ -5441,7 +5441,7 @@
         </p:nvSpPr>
         <p:spPr>
           <a:xfrm>
-            <a:off x="7873083" y="2217873"/>
+            <a:off x="7873083" y="2476491"/>
             <a:ext cx="717550" cy="276999"/>
           </a:xfrm>
           <a:prstGeom prst="rect">
@@ -5480,7 +5480,7 @@
         </p:nvSpPr>
         <p:spPr>
           <a:xfrm>
-            <a:off x="10217493" y="2214437"/>
+            <a:off x="10217493" y="2473055"/>
             <a:ext cx="717550" cy="276999"/>
           </a:xfrm>
           <a:prstGeom prst="rect">
@@ -5519,7 +5519,7 @@
         </p:nvSpPr>
         <p:spPr>
           <a:xfrm>
-            <a:off x="839853" y="5464637"/>
+            <a:off x="839853" y="5723255"/>
             <a:ext cx="717550" cy="276999"/>
           </a:xfrm>
           <a:prstGeom prst="rect">
@@ -5558,7 +5558,7 @@
         </p:nvSpPr>
         <p:spPr>
           <a:xfrm>
-            <a:off x="3184263" y="5464637"/>
+            <a:off x="3184263" y="5723255"/>
             <a:ext cx="717550" cy="276999"/>
           </a:xfrm>
           <a:prstGeom prst="rect">
@@ -5597,7 +5597,7 @@
         </p:nvSpPr>
         <p:spPr>
           <a:xfrm>
-            <a:off x="5549913" y="5464637"/>
+            <a:off x="5549913" y="5723255"/>
             <a:ext cx="717550" cy="276999"/>
           </a:xfrm>
           <a:prstGeom prst="rect">
@@ -5636,7 +5636,7 @@
         </p:nvSpPr>
         <p:spPr>
           <a:xfrm>
-            <a:off x="7915563" y="5446455"/>
+            <a:off x="7915563" y="5705073"/>
             <a:ext cx="717550" cy="276999"/>
           </a:xfrm>
           <a:prstGeom prst="rect">
@@ -5675,7 +5675,7 @@
         </p:nvSpPr>
         <p:spPr>
           <a:xfrm>
-            <a:off x="10281213" y="5464637"/>
+            <a:off x="10281213" y="5723255"/>
             <a:ext cx="717550" cy="276999"/>
           </a:xfrm>
           <a:prstGeom prst="rect">
@@ -5702,10 +5702,10 @@
       </p:sp>
       <p:pic>
         <p:nvPicPr>
-          <p:cNvPr id="3" name="Picture 2" descr="A white circle on a black background&#10;&#10;Description automatically generated">
-            <a:extLst>
-              <a:ext uri="{FF2B5EF4-FFF2-40B4-BE49-F238E27FC236}">
-                <a16:creationId xmlns:a16="http://schemas.microsoft.com/office/drawing/2014/main" id="{F785DCD7-1E77-D194-06DA-58346A3507E5}"/>
+          <p:cNvPr id="4" name="Picture 3">
+            <a:extLst>
+              <a:ext uri="{FF2B5EF4-FFF2-40B4-BE49-F238E27FC236}">
+                <a16:creationId xmlns:a16="http://schemas.microsoft.com/office/drawing/2014/main" id="{52D28439-58B2-E529-3D71-E714338E29BA}"/>
               </a:ext>
             </a:extLst>
           </p:cNvPr>
@@ -5728,8 +5728,8 @@
         </p:blipFill>
         <p:spPr>
           <a:xfrm>
-            <a:off x="2464233" y="77565"/>
-            <a:ext cx="2155956" cy="2155956"/>
+            <a:off x="120649" y="317098"/>
+            <a:ext cx="2155957" cy="2155957"/>
           </a:xfrm>
           <a:prstGeom prst="rect">
             <a:avLst/>
@@ -5738,10 +5738,10 @@
       </p:pic>
       <p:pic>
         <p:nvPicPr>
-          <p:cNvPr id="6" name="Picture 5" descr="A white circle on a black background&#10;&#10;Description automatically generated">
-            <a:extLst>
-              <a:ext uri="{FF2B5EF4-FFF2-40B4-BE49-F238E27FC236}">
-                <a16:creationId xmlns:a16="http://schemas.microsoft.com/office/drawing/2014/main" id="{4A78525C-631F-EA26-6888-09A5A9AE038E}"/>
+          <p:cNvPr id="7" name="Picture 6" descr="A white circle on a black background&#10;&#10;Description automatically generated">
+            <a:extLst>
+              <a:ext uri="{FF2B5EF4-FFF2-40B4-BE49-F238E27FC236}">
+                <a16:creationId xmlns:a16="http://schemas.microsoft.com/office/drawing/2014/main" id="{940A4707-6A4F-F0B5-D05D-04ED3D137F21}"/>
               </a:ext>
             </a:extLst>
           </p:cNvPr>
@@ -5751,7 +5751,7 @@
           <p:nvPr/>
         </p:nvPicPr>
         <p:blipFill>
-          <a:blip r:embed="rId2">
+          <a:blip r:embed="rId3">
             <a:extLst>
               <a:ext uri="{28A0092B-C50C-407E-A947-70E740481C1C}">
                 <a14:useLocalDpi xmlns:a14="http://schemas.microsoft.com/office/drawing/2010/main" val="0"/>
@@ -5764,8 +5764,8 @@
         </p:blipFill>
         <p:spPr>
           <a:xfrm>
-            <a:off x="120650" y="58481"/>
-            <a:ext cx="2155956" cy="2155956"/>
+            <a:off x="2465059" y="317098"/>
+            <a:ext cx="2155957" cy="2155957"/>
           </a:xfrm>
           <a:prstGeom prst="rect">
             <a:avLst/>
@@ -5774,10 +5774,10 @@
       </p:pic>
       <p:pic>
         <p:nvPicPr>
-          <p:cNvPr id="9" name="Picture 8" descr="A white circle on a black background&#10;&#10;Description automatically generated">
-            <a:extLst>
-              <a:ext uri="{FF2B5EF4-FFF2-40B4-BE49-F238E27FC236}">
-                <a16:creationId xmlns:a16="http://schemas.microsoft.com/office/drawing/2014/main" id="{F6756C26-BC17-5616-ED88-BA75E1E2EAA1}"/>
+          <p:cNvPr id="10" name="Picture 9" descr="A white circle on a black background&#10;&#10;Description automatically generated">
+            <a:extLst>
+              <a:ext uri="{FF2B5EF4-FFF2-40B4-BE49-F238E27FC236}">
+                <a16:creationId xmlns:a16="http://schemas.microsoft.com/office/drawing/2014/main" id="{2A5C49F6-8B01-E752-FAA4-F27CB7E7B9C5}"/>
               </a:ext>
             </a:extLst>
           </p:cNvPr>
@@ -5787,7 +5787,7 @@
           <p:nvPr/>
         </p:nvPicPr>
         <p:blipFill>
-          <a:blip r:embed="rId2">
+          <a:blip r:embed="rId4">
             <a:extLst>
               <a:ext uri="{28A0092B-C50C-407E-A947-70E740481C1C}">
                 <a14:useLocalDpi xmlns:a14="http://schemas.microsoft.com/office/drawing/2010/main" val="0"/>
@@ -5800,8 +5800,8 @@
         </p:blipFill>
         <p:spPr>
           <a:xfrm>
-            <a:off x="4807816" y="58481"/>
-            <a:ext cx="2155956" cy="2155956"/>
+            <a:off x="4811122" y="317098"/>
+            <a:ext cx="2155958" cy="2155958"/>
           </a:xfrm>
           <a:prstGeom prst="rect">
             <a:avLst/>
@@ -5810,10 +5810,10 @@
       </p:pic>
       <p:pic>
         <p:nvPicPr>
-          <p:cNvPr id="13" name="Picture 12" descr="A white circle on a black background&#10;&#10;Description automatically generated">
-            <a:extLst>
-              <a:ext uri="{FF2B5EF4-FFF2-40B4-BE49-F238E27FC236}">
-                <a16:creationId xmlns:a16="http://schemas.microsoft.com/office/drawing/2014/main" id="{0D8E5109-02DA-F72D-DDDC-D5D27519535E}"/>
+          <p:cNvPr id="12" name="Picture 11" descr="A white circle on a black background&#10;&#10;Description automatically generated">
+            <a:extLst>
+              <a:ext uri="{FF2B5EF4-FFF2-40B4-BE49-F238E27FC236}">
+                <a16:creationId xmlns:a16="http://schemas.microsoft.com/office/drawing/2014/main" id="{B050BB9C-5362-EE36-5CFD-547B202E5FC0}"/>
               </a:ext>
             </a:extLst>
           </p:cNvPr>
@@ -5823,7 +5823,7 @@
           <p:nvPr/>
         </p:nvPicPr>
         <p:blipFill>
-          <a:blip r:embed="rId2">
+          <a:blip r:embed="rId5">
             <a:extLst>
               <a:ext uri="{28A0092B-C50C-407E-A947-70E740481C1C}">
                 <a14:useLocalDpi xmlns:a14="http://schemas.microsoft.com/office/drawing/2010/main" val="0"/>
@@ -5836,8 +5836,8 @@
         </p:blipFill>
         <p:spPr>
           <a:xfrm>
-            <a:off x="7196359" y="77565"/>
-            <a:ext cx="2155957" cy="2155957"/>
+            <a:off x="7152226" y="317098"/>
+            <a:ext cx="2155959" cy="2155959"/>
           </a:xfrm>
           <a:prstGeom prst="rect">
             <a:avLst/>
@@ -5846,10 +5846,10 @@
       </p:pic>
       <p:pic>
         <p:nvPicPr>
-          <p:cNvPr id="17" name="Picture 16" descr="A white circle on a black background&#10;&#10;Description automatically generated">
-            <a:extLst>
-              <a:ext uri="{FF2B5EF4-FFF2-40B4-BE49-F238E27FC236}">
-                <a16:creationId xmlns:a16="http://schemas.microsoft.com/office/drawing/2014/main" id="{0FEA3FF9-5DBB-6E61-80D5-5AE884AE96D8}"/>
+          <p:cNvPr id="15" name="Picture 14" descr="A white circle on a black background&#10;&#10;Description automatically generated">
+            <a:extLst>
+              <a:ext uri="{FF2B5EF4-FFF2-40B4-BE49-F238E27FC236}">
+                <a16:creationId xmlns:a16="http://schemas.microsoft.com/office/drawing/2014/main" id="{5B1998BD-AB2F-D3F8-5C03-E3FD0C4931FE}"/>
               </a:ext>
             </a:extLst>
           </p:cNvPr>
@@ -5859,7 +5859,7 @@
           <p:nvPr/>
         </p:nvPicPr>
         <p:blipFill>
-          <a:blip r:embed="rId2">
+          <a:blip r:embed="rId6">
             <a:extLst>
               <a:ext uri="{28A0092B-C50C-407E-A947-70E740481C1C}">
                 <a14:useLocalDpi xmlns:a14="http://schemas.microsoft.com/office/drawing/2010/main" val="0"/>
@@ -5872,8 +5872,8 @@
         </p:blipFill>
         <p:spPr>
           <a:xfrm>
-            <a:off x="9562009" y="77565"/>
-            <a:ext cx="2155957" cy="2155957"/>
+            <a:off x="9493330" y="317097"/>
+            <a:ext cx="2155959" cy="2155959"/>
           </a:xfrm>
           <a:prstGeom prst="rect">
             <a:avLst/>
@@ -5882,10 +5882,10 @@
       </p:pic>
       <p:pic>
         <p:nvPicPr>
-          <p:cNvPr id="26" name="Picture 25" descr="A white circle on a black background&#10;&#10;Description automatically generated">
-            <a:extLst>
-              <a:ext uri="{FF2B5EF4-FFF2-40B4-BE49-F238E27FC236}">
-                <a16:creationId xmlns:a16="http://schemas.microsoft.com/office/drawing/2014/main" id="{DEC517BA-69B7-37E8-7B3B-741B33A80D20}"/>
+          <p:cNvPr id="19" name="Picture 18" descr="A white circle on a black background&#10;&#10;Description automatically generated">
+            <a:extLst>
+              <a:ext uri="{FF2B5EF4-FFF2-40B4-BE49-F238E27FC236}">
+                <a16:creationId xmlns:a16="http://schemas.microsoft.com/office/drawing/2014/main" id="{F498F55B-92B5-DA30-3026-F0D37AE8D51C}"/>
               </a:ext>
             </a:extLst>
           </p:cNvPr>
@@ -5895,7 +5895,7 @@
           <p:nvPr/>
         </p:nvPicPr>
         <p:blipFill>
-          <a:blip r:embed="rId2">
+          <a:blip r:embed="rId7">
             <a:extLst>
               <a:ext uri="{28A0092B-C50C-407E-A947-70E740481C1C}">
                 <a14:useLocalDpi xmlns:a14="http://schemas.microsoft.com/office/drawing/2010/main" val="0"/>
@@ -5908,8 +5908,8 @@
         </p:blipFill>
         <p:spPr>
           <a:xfrm>
-            <a:off x="120650" y="3288587"/>
-            <a:ext cx="2155956" cy="2155956"/>
+            <a:off x="120649" y="3549116"/>
+            <a:ext cx="2155957" cy="2155957"/>
           </a:xfrm>
           <a:prstGeom prst="rect">
             <a:avLst/>
@@ -5918,10 +5918,10 @@
       </p:pic>
       <p:pic>
         <p:nvPicPr>
-          <p:cNvPr id="30" name="Picture 29" descr="A white circle on a black background&#10;&#10;Description automatically generated">
-            <a:extLst>
-              <a:ext uri="{FF2B5EF4-FFF2-40B4-BE49-F238E27FC236}">
-                <a16:creationId xmlns:a16="http://schemas.microsoft.com/office/drawing/2014/main" id="{FE6FE289-A0EE-1001-906C-19C4F07EE513}"/>
+          <p:cNvPr id="25" name="Picture 24" descr="A white circle on a black background&#10;&#10;Description automatically generated">
+            <a:extLst>
+              <a:ext uri="{FF2B5EF4-FFF2-40B4-BE49-F238E27FC236}">
+                <a16:creationId xmlns:a16="http://schemas.microsoft.com/office/drawing/2014/main" id="{A003689B-4D0F-0088-83E5-2BFA937A045E}"/>
               </a:ext>
             </a:extLst>
           </p:cNvPr>
@@ -5931,7 +5931,7 @@
           <p:nvPr/>
         </p:nvPicPr>
         <p:blipFill>
-          <a:blip r:embed="rId2">
+          <a:blip r:embed="rId8">
             <a:extLst>
               <a:ext uri="{28A0092B-C50C-407E-A947-70E740481C1C}">
                 <a14:useLocalDpi xmlns:a14="http://schemas.microsoft.com/office/drawing/2010/main" val="0"/>
@@ -5944,8 +5944,8 @@
         </p:blipFill>
         <p:spPr>
           <a:xfrm>
-            <a:off x="2464233" y="3308681"/>
-            <a:ext cx="2155956" cy="2155956"/>
+            <a:off x="2465059" y="3489455"/>
+            <a:ext cx="2155957" cy="2155957"/>
           </a:xfrm>
           <a:prstGeom prst="rect">
             <a:avLst/>
@@ -5954,10 +5954,10 @@
       </p:pic>
       <p:pic>
         <p:nvPicPr>
-          <p:cNvPr id="32" name="Picture 31" descr="A white circle on a black background&#10;&#10;Description automatically generated">
-            <a:extLst>
-              <a:ext uri="{FF2B5EF4-FFF2-40B4-BE49-F238E27FC236}">
-                <a16:creationId xmlns:a16="http://schemas.microsoft.com/office/drawing/2014/main" id="{0BD11AD0-1534-0C92-4717-10804662652B}"/>
+          <p:cNvPr id="28" name="Picture 27" descr="A white circle on a black background&#10;&#10;Description automatically generated">
+            <a:extLst>
+              <a:ext uri="{FF2B5EF4-FFF2-40B4-BE49-F238E27FC236}">
+                <a16:creationId xmlns:a16="http://schemas.microsoft.com/office/drawing/2014/main" id="{BC7A3396-8068-B240-29EE-24E0C46C7E77}"/>
               </a:ext>
             </a:extLst>
           </p:cNvPr>
@@ -5967,7 +5967,7 @@
           <p:nvPr/>
         </p:nvPicPr>
         <p:blipFill>
-          <a:blip r:embed="rId2">
+          <a:blip r:embed="rId9">
             <a:extLst>
               <a:ext uri="{28A0092B-C50C-407E-A947-70E740481C1C}">
                 <a14:useLocalDpi xmlns:a14="http://schemas.microsoft.com/office/drawing/2010/main" val="0"/>
@@ -5980,8 +5980,8 @@
         </p:blipFill>
         <p:spPr>
           <a:xfrm>
-            <a:off x="4807815" y="3309039"/>
-            <a:ext cx="2155957" cy="2155957"/>
+            <a:off x="4830708" y="3489455"/>
+            <a:ext cx="2155960" cy="2155960"/>
           </a:xfrm>
           <a:prstGeom prst="rect">
             <a:avLst/>
@@ -5990,10 +5990,10 @@
       </p:pic>
       <p:pic>
         <p:nvPicPr>
-          <p:cNvPr id="39" name="Picture 38" descr="A white circle on a black background&#10;&#10;Description automatically generated">
-            <a:extLst>
-              <a:ext uri="{FF2B5EF4-FFF2-40B4-BE49-F238E27FC236}">
-                <a16:creationId xmlns:a16="http://schemas.microsoft.com/office/drawing/2014/main" id="{2A3BF6AA-9067-5C8F-45AE-ADFFFDFB7D29}"/>
+          <p:cNvPr id="31" name="Picture 30" descr="A white circle on a black background&#10;&#10;Description automatically generated">
+            <a:extLst>
+              <a:ext uri="{FF2B5EF4-FFF2-40B4-BE49-F238E27FC236}">
+                <a16:creationId xmlns:a16="http://schemas.microsoft.com/office/drawing/2014/main" id="{A4C74AAB-3F10-29C4-8F1B-1DFBCF511C4D}"/>
               </a:ext>
             </a:extLst>
           </p:cNvPr>
@@ -6003,7 +6003,7 @@
           <p:nvPr/>
         </p:nvPicPr>
         <p:blipFill>
-          <a:blip r:embed="rId2">
+          <a:blip r:embed="rId10">
             <a:extLst>
               <a:ext uri="{28A0092B-C50C-407E-A947-70E740481C1C}">
                 <a14:useLocalDpi xmlns:a14="http://schemas.microsoft.com/office/drawing/2010/main" val="0"/>
@@ -6016,8 +6016,8 @@
         </p:blipFill>
         <p:spPr>
           <a:xfrm>
-            <a:off x="7153879" y="3308681"/>
-            <a:ext cx="2155957" cy="2155957"/>
+            <a:off x="7196357" y="3489455"/>
+            <a:ext cx="2155961" cy="2155961"/>
           </a:xfrm>
           <a:prstGeom prst="rect">
             <a:avLst/>
@@ -6026,10 +6026,10 @@
       </p:pic>
       <p:pic>
         <p:nvPicPr>
-          <p:cNvPr id="41" name="Picture 40" descr="A white circle on a black background&#10;&#10;Description automatically generated">
-            <a:extLst>
-              <a:ext uri="{FF2B5EF4-FFF2-40B4-BE49-F238E27FC236}">
-                <a16:creationId xmlns:a16="http://schemas.microsoft.com/office/drawing/2014/main" id="{FE03FE61-40C0-15FC-2C34-95A5B6520D87}"/>
+          <p:cNvPr id="40" name="Picture 39" descr="A white circle on a black background&#10;&#10;Description automatically generated">
+            <a:extLst>
+              <a:ext uri="{FF2B5EF4-FFF2-40B4-BE49-F238E27FC236}">
+                <a16:creationId xmlns:a16="http://schemas.microsoft.com/office/drawing/2014/main" id="{362FCEAC-05DE-4947-00F3-DE88404499FA}"/>
               </a:ext>
             </a:extLst>
           </p:cNvPr>
@@ -6039,7 +6039,7 @@
           <p:nvPr/>
         </p:nvPicPr>
         <p:blipFill>
-          <a:blip r:embed="rId2">
+          <a:blip r:embed="rId11">
             <a:extLst>
               <a:ext uri="{28A0092B-C50C-407E-A947-70E740481C1C}">
                 <a14:useLocalDpi xmlns:a14="http://schemas.microsoft.com/office/drawing/2010/main" val="0"/>
@@ -6052,7 +6052,7 @@
         </p:blipFill>
         <p:spPr>
           <a:xfrm>
-            <a:off x="9497462" y="3308681"/>
+            <a:off x="9556382" y="3489455"/>
             <a:ext cx="2155957" cy="2155957"/>
           </a:xfrm>
           <a:prstGeom prst="rect">
@@ -6104,7 +6104,7 @@
         </p:nvSpPr>
         <p:spPr>
           <a:xfrm>
-            <a:off x="839853" y="2214437"/>
+            <a:off x="876799" y="2611601"/>
             <a:ext cx="717550" cy="276999"/>
           </a:xfrm>
           <a:prstGeom prst="rect">
@@ -6143,7 +6143,7 @@
         </p:nvSpPr>
         <p:spPr>
           <a:xfrm>
-            <a:off x="3184263" y="2214437"/>
+            <a:off x="3221209" y="2611601"/>
             <a:ext cx="717550" cy="276999"/>
           </a:xfrm>
           <a:prstGeom prst="rect">
@@ -6182,7 +6182,7 @@
         </p:nvSpPr>
         <p:spPr>
           <a:xfrm>
-            <a:off x="5530326" y="2214437"/>
+            <a:off x="5567272" y="2611601"/>
             <a:ext cx="717550" cy="276999"/>
           </a:xfrm>
           <a:prstGeom prst="rect">
@@ -6221,7 +6221,7 @@
         </p:nvSpPr>
         <p:spPr>
           <a:xfrm>
-            <a:off x="7873083" y="2217873"/>
+            <a:off x="7910029" y="2615037"/>
             <a:ext cx="717550" cy="276999"/>
           </a:xfrm>
           <a:prstGeom prst="rect">
@@ -6260,7 +6260,7 @@
         </p:nvSpPr>
         <p:spPr>
           <a:xfrm>
-            <a:off x="10217493" y="2214437"/>
+            <a:off x="10254439" y="2611601"/>
             <a:ext cx="717550" cy="276999"/>
           </a:xfrm>
           <a:prstGeom prst="rect">
@@ -6299,7 +6299,7 @@
         </p:nvSpPr>
         <p:spPr>
           <a:xfrm>
-            <a:off x="839853" y="5464637"/>
+            <a:off x="876799" y="5861801"/>
             <a:ext cx="717550" cy="276999"/>
           </a:xfrm>
           <a:prstGeom prst="rect">
@@ -6338,7 +6338,7 @@
         </p:nvSpPr>
         <p:spPr>
           <a:xfrm>
-            <a:off x="3184263" y="5464637"/>
+            <a:off x="3221209" y="5861801"/>
             <a:ext cx="717550" cy="276999"/>
           </a:xfrm>
           <a:prstGeom prst="rect">
@@ -6377,7 +6377,7 @@
         </p:nvSpPr>
         <p:spPr>
           <a:xfrm>
-            <a:off x="5549913" y="5464637"/>
+            <a:off x="5586859" y="5861801"/>
             <a:ext cx="717550" cy="276999"/>
           </a:xfrm>
           <a:prstGeom prst="rect">
@@ -6416,7 +6416,7 @@
         </p:nvSpPr>
         <p:spPr>
           <a:xfrm>
-            <a:off x="7915563" y="5446455"/>
+            <a:off x="7952509" y="5843619"/>
             <a:ext cx="717550" cy="276999"/>
           </a:xfrm>
           <a:prstGeom prst="rect">
@@ -6455,7 +6455,7 @@
         </p:nvSpPr>
         <p:spPr>
           <a:xfrm>
-            <a:off x="10281213" y="5464637"/>
+            <a:off x="10318159" y="5861801"/>
             <a:ext cx="717550" cy="276999"/>
           </a:xfrm>
           <a:prstGeom prst="rect">
@@ -6482,10 +6482,10 @@
       </p:sp>
       <p:pic>
         <p:nvPicPr>
-          <p:cNvPr id="4" name="Picture 3" descr="A white circle on a black background&#10;&#10;Description automatically generated">
-            <a:extLst>
-              <a:ext uri="{FF2B5EF4-FFF2-40B4-BE49-F238E27FC236}">
-                <a16:creationId xmlns:a16="http://schemas.microsoft.com/office/drawing/2014/main" id="{07A491B2-F10C-FF18-8884-07C3B785C2C8}"/>
+          <p:cNvPr id="9" name="Picture 8" descr="A white circle on a black background&#10;&#10;Description automatically generated">
+            <a:extLst>
+              <a:ext uri="{FF2B5EF4-FFF2-40B4-BE49-F238E27FC236}">
+                <a16:creationId xmlns:a16="http://schemas.microsoft.com/office/drawing/2014/main" id="{42D1D40F-3FC2-B9D0-23A5-FA2AE48DE590}"/>
               </a:ext>
             </a:extLst>
           </p:cNvPr>
@@ -6508,8 +6508,8 @@
         </p:blipFill>
         <p:spPr>
           <a:xfrm>
-            <a:off x="120649" y="58479"/>
-            <a:ext cx="2155958" cy="2155958"/>
+            <a:off x="157594" y="455641"/>
+            <a:ext cx="2155960" cy="2155960"/>
           </a:xfrm>
           <a:prstGeom prst="rect">
             <a:avLst/>
@@ -6518,10 +6518,10 @@
       </p:pic>
       <p:pic>
         <p:nvPicPr>
-          <p:cNvPr id="7" name="Picture 6" descr="A white circle on a black background&#10;&#10;Description automatically generated">
-            <a:extLst>
-              <a:ext uri="{FF2B5EF4-FFF2-40B4-BE49-F238E27FC236}">
-                <a16:creationId xmlns:a16="http://schemas.microsoft.com/office/drawing/2014/main" id="{AE69FFA6-939E-9175-3328-476CD2FC0186}"/>
+          <p:cNvPr id="13" name="Picture 12" descr="A white circle on a black background&#10;&#10;Description automatically generated">
+            <a:extLst>
+              <a:ext uri="{FF2B5EF4-FFF2-40B4-BE49-F238E27FC236}">
+                <a16:creationId xmlns:a16="http://schemas.microsoft.com/office/drawing/2014/main" id="{ACE334EB-8BCC-404B-6C7A-90C1148262BB}"/>
               </a:ext>
             </a:extLst>
           </p:cNvPr>
@@ -6531,7 +6531,7 @@
           <p:nvPr/>
         </p:nvPicPr>
         <p:blipFill>
-          <a:blip r:embed="rId2">
+          <a:blip r:embed="rId3">
             <a:extLst>
               <a:ext uri="{28A0092B-C50C-407E-A947-70E740481C1C}">
                 <a14:useLocalDpi xmlns:a14="http://schemas.microsoft.com/office/drawing/2010/main" val="0"/>
@@ -6544,8 +6544,8 @@
         </p:blipFill>
         <p:spPr>
           <a:xfrm>
-            <a:off x="2465059" y="38385"/>
-            <a:ext cx="2155958" cy="2155958"/>
+            <a:off x="2502004" y="455641"/>
+            <a:ext cx="2155960" cy="2155960"/>
           </a:xfrm>
           <a:prstGeom prst="rect">
             <a:avLst/>
@@ -6554,10 +6554,10 @@
       </p:pic>
       <p:pic>
         <p:nvPicPr>
-          <p:cNvPr id="10" name="Picture 9" descr="A white circle on a black background&#10;&#10;Description automatically generated">
-            <a:extLst>
-              <a:ext uri="{FF2B5EF4-FFF2-40B4-BE49-F238E27FC236}">
-                <a16:creationId xmlns:a16="http://schemas.microsoft.com/office/drawing/2014/main" id="{5D1E8F8E-CC61-17E3-C6A6-D9DCF5D7D6B3}"/>
+          <p:cNvPr id="16" name="Picture 15" descr="A white circle on a black background&#10;&#10;Description automatically generated">
+            <a:extLst>
+              <a:ext uri="{FF2B5EF4-FFF2-40B4-BE49-F238E27FC236}">
+                <a16:creationId xmlns:a16="http://schemas.microsoft.com/office/drawing/2014/main" id="{F6FB09A3-C3F4-E661-6841-64102A7FAD9A}"/>
               </a:ext>
             </a:extLst>
           </p:cNvPr>
@@ -6567,7 +6567,7 @@
           <p:nvPr/>
         </p:nvPicPr>
         <p:blipFill>
-          <a:blip r:embed="rId2">
+          <a:blip r:embed="rId4">
             <a:extLst>
               <a:ext uri="{28A0092B-C50C-407E-A947-70E740481C1C}">
                 <a14:useLocalDpi xmlns:a14="http://schemas.microsoft.com/office/drawing/2010/main" val="0"/>
@@ -6580,8 +6580,8 @@
         </p:blipFill>
         <p:spPr>
           <a:xfrm>
-            <a:off x="4809469" y="38385"/>
-            <a:ext cx="2155958" cy="2155958"/>
+            <a:off x="4846414" y="455641"/>
+            <a:ext cx="2155960" cy="2155960"/>
           </a:xfrm>
           <a:prstGeom prst="rect">
             <a:avLst/>
@@ -6590,10 +6590,10 @@
       </p:pic>
       <p:pic>
         <p:nvPicPr>
-          <p:cNvPr id="12" name="Picture 11" descr="A white circle on a black background&#10;&#10;Description automatically generated">
-            <a:extLst>
-              <a:ext uri="{FF2B5EF4-FFF2-40B4-BE49-F238E27FC236}">
-                <a16:creationId xmlns:a16="http://schemas.microsoft.com/office/drawing/2014/main" id="{83F78C29-52F8-9C56-9BC3-0438059C49C7}"/>
+          <p:cNvPr id="24" name="Picture 23" descr="A white circle on a black background&#10;&#10;Description automatically generated">
+            <a:extLst>
+              <a:ext uri="{FF2B5EF4-FFF2-40B4-BE49-F238E27FC236}">
+                <a16:creationId xmlns:a16="http://schemas.microsoft.com/office/drawing/2014/main" id="{9697E84D-72F8-F548-4EBC-69F9CDA5B515}"/>
               </a:ext>
             </a:extLst>
           </p:cNvPr>
@@ -6603,7 +6603,7 @@
           <p:nvPr/>
         </p:nvPicPr>
         <p:blipFill>
-          <a:blip r:embed="rId2">
+          <a:blip r:embed="rId5">
             <a:extLst>
               <a:ext uri="{28A0092B-C50C-407E-A947-70E740481C1C}">
                 <a14:useLocalDpi xmlns:a14="http://schemas.microsoft.com/office/drawing/2010/main" val="0"/>
@@ -6616,8 +6616,8 @@
         </p:blipFill>
         <p:spPr>
           <a:xfrm>
-            <a:off x="7153879" y="38385"/>
-            <a:ext cx="2155958" cy="2155958"/>
+            <a:off x="7190824" y="397164"/>
+            <a:ext cx="2155960" cy="2155960"/>
           </a:xfrm>
           <a:prstGeom prst="rect">
             <a:avLst/>
@@ -6626,10 +6626,10 @@
       </p:pic>
       <p:pic>
         <p:nvPicPr>
-          <p:cNvPr id="15" name="Picture 14" descr="A white circle on a black background&#10;&#10;Description automatically generated">
-            <a:extLst>
-              <a:ext uri="{FF2B5EF4-FFF2-40B4-BE49-F238E27FC236}">
-                <a16:creationId xmlns:a16="http://schemas.microsoft.com/office/drawing/2014/main" id="{A8A125A3-A17F-07FC-6789-50F56A3ACD61}"/>
+          <p:cNvPr id="27" name="Picture 26" descr="A white circle on a black background&#10;&#10;Description automatically generated">
+            <a:extLst>
+              <a:ext uri="{FF2B5EF4-FFF2-40B4-BE49-F238E27FC236}">
+                <a16:creationId xmlns:a16="http://schemas.microsoft.com/office/drawing/2014/main" id="{99F18941-8B06-2FD1-434A-B92AC0DED3CE}"/>
               </a:ext>
             </a:extLst>
           </p:cNvPr>
@@ -6639,7 +6639,7 @@
           <p:nvPr/>
         </p:nvPicPr>
         <p:blipFill>
-          <a:blip r:embed="rId2">
+          <a:blip r:embed="rId6">
             <a:extLst>
               <a:ext uri="{28A0092B-C50C-407E-A947-70E740481C1C}">
                 <a14:useLocalDpi xmlns:a14="http://schemas.microsoft.com/office/drawing/2010/main" val="0"/>
@@ -6652,8 +6652,8 @@
         </p:blipFill>
         <p:spPr>
           <a:xfrm>
-            <a:off x="9498288" y="58478"/>
-            <a:ext cx="2155959" cy="2155959"/>
+            <a:off x="9535234" y="397164"/>
+            <a:ext cx="2155960" cy="2155960"/>
           </a:xfrm>
           <a:prstGeom prst="rect">
             <a:avLst/>
@@ -6662,10 +6662,10 @@
       </p:pic>
       <p:pic>
         <p:nvPicPr>
-          <p:cNvPr id="19" name="Picture 18" descr="A white circle on a black background&#10;&#10;Description automatically generated">
-            <a:extLst>
-              <a:ext uri="{FF2B5EF4-FFF2-40B4-BE49-F238E27FC236}">
-                <a16:creationId xmlns:a16="http://schemas.microsoft.com/office/drawing/2014/main" id="{046EC769-C44F-89EB-D33A-147E6C7AF26F}"/>
+          <p:cNvPr id="30" name="Picture 29" descr="A white circle on a black background&#10;&#10;Description automatically generated">
+            <a:extLst>
+              <a:ext uri="{FF2B5EF4-FFF2-40B4-BE49-F238E27FC236}">
+                <a16:creationId xmlns:a16="http://schemas.microsoft.com/office/drawing/2014/main" id="{E13EFAA3-2B63-6524-008E-BADE839EA23F}"/>
               </a:ext>
             </a:extLst>
           </p:cNvPr>
@@ -6675,7 +6675,7 @@
           <p:nvPr/>
         </p:nvPicPr>
         <p:blipFill>
-          <a:blip r:embed="rId2">
+          <a:blip r:embed="rId7">
             <a:extLst>
               <a:ext uri="{28A0092B-C50C-407E-A947-70E740481C1C}">
                 <a14:useLocalDpi xmlns:a14="http://schemas.microsoft.com/office/drawing/2010/main" val="0"/>
@@ -6688,8 +6688,8 @@
         </p:blipFill>
         <p:spPr>
           <a:xfrm>
-            <a:off x="120649" y="3308679"/>
-            <a:ext cx="2155958" cy="2155958"/>
+            <a:off x="157594" y="3705841"/>
+            <a:ext cx="2155960" cy="2155960"/>
           </a:xfrm>
           <a:prstGeom prst="rect">
             <a:avLst/>
@@ -6698,10 +6698,10 @@
       </p:pic>
       <p:pic>
         <p:nvPicPr>
-          <p:cNvPr id="25" name="Picture 24" descr="A white circle on a black background&#10;&#10;Description automatically generated">
-            <a:extLst>
-              <a:ext uri="{FF2B5EF4-FFF2-40B4-BE49-F238E27FC236}">
-                <a16:creationId xmlns:a16="http://schemas.microsoft.com/office/drawing/2014/main" id="{47F77078-B3C1-2DAF-F9A6-B7BB42695E25}"/>
+          <p:cNvPr id="33" name="Picture 32" descr="A white circle on a black background&#10;&#10;Description automatically generated">
+            <a:extLst>
+              <a:ext uri="{FF2B5EF4-FFF2-40B4-BE49-F238E27FC236}">
+                <a16:creationId xmlns:a16="http://schemas.microsoft.com/office/drawing/2014/main" id="{1EAE64F6-AD29-2E70-7227-684936432878}"/>
               </a:ext>
             </a:extLst>
           </p:cNvPr>
@@ -6711,7 +6711,7 @@
           <p:nvPr/>
         </p:nvPicPr>
         <p:blipFill>
-          <a:blip r:embed="rId2">
+          <a:blip r:embed="rId8">
             <a:extLst>
               <a:ext uri="{28A0092B-C50C-407E-A947-70E740481C1C}">
                 <a14:useLocalDpi xmlns:a14="http://schemas.microsoft.com/office/drawing/2010/main" val="0"/>
@@ -6724,8 +6724,8 @@
         </p:blipFill>
         <p:spPr>
           <a:xfrm>
-            <a:off x="2465059" y="3288586"/>
-            <a:ext cx="2155958" cy="2155958"/>
+            <a:off x="2502003" y="3705841"/>
+            <a:ext cx="2155961" cy="2155961"/>
           </a:xfrm>
           <a:prstGeom prst="rect">
             <a:avLst/>
@@ -6734,10 +6734,10 @@
       </p:pic>
       <p:pic>
         <p:nvPicPr>
-          <p:cNvPr id="28" name="Picture 27" descr="A white circle on a black background&#10;&#10;Description automatically generated">
-            <a:extLst>
-              <a:ext uri="{FF2B5EF4-FFF2-40B4-BE49-F238E27FC236}">
-                <a16:creationId xmlns:a16="http://schemas.microsoft.com/office/drawing/2014/main" id="{BAE6C7B5-0085-D9FA-E254-59D57F9313D3}"/>
+          <p:cNvPr id="41" name="Picture 40" descr="A white circle on a black background&#10;&#10;Description automatically generated">
+            <a:extLst>
+              <a:ext uri="{FF2B5EF4-FFF2-40B4-BE49-F238E27FC236}">
+                <a16:creationId xmlns:a16="http://schemas.microsoft.com/office/drawing/2014/main" id="{CF1811AF-168D-450F-2F31-7EC1C14DB1ED}"/>
               </a:ext>
             </a:extLst>
           </p:cNvPr>
@@ -6747,7 +6747,7 @@
           <p:nvPr/>
         </p:nvPicPr>
         <p:blipFill>
-          <a:blip r:embed="rId2">
+          <a:blip r:embed="rId9">
             <a:extLst>
               <a:ext uri="{28A0092B-C50C-407E-A947-70E740481C1C}">
                 <a14:useLocalDpi xmlns:a14="http://schemas.microsoft.com/office/drawing/2010/main" val="0"/>
@@ -6760,8 +6760,8 @@
         </p:blipFill>
         <p:spPr>
           <a:xfrm>
-            <a:off x="4830709" y="3288586"/>
-            <a:ext cx="2155958" cy="2155958"/>
+            <a:off x="4867653" y="3705841"/>
+            <a:ext cx="2155962" cy="2155962"/>
           </a:xfrm>
           <a:prstGeom prst="rect">
             <a:avLst/>
@@ -6770,10 +6770,10 @@
       </p:pic>
       <p:pic>
         <p:nvPicPr>
-          <p:cNvPr id="31" name="Picture 30" descr="A white circle on a black background&#10;&#10;Description automatically generated">
-            <a:extLst>
-              <a:ext uri="{FF2B5EF4-FFF2-40B4-BE49-F238E27FC236}">
-                <a16:creationId xmlns:a16="http://schemas.microsoft.com/office/drawing/2014/main" id="{5CE098AD-D0FB-6326-7093-750B720D34D9}"/>
+          <p:cNvPr id="43" name="Picture 42" descr="A white circle on a black background&#10;&#10;Description automatically generated">
+            <a:extLst>
+              <a:ext uri="{FF2B5EF4-FFF2-40B4-BE49-F238E27FC236}">
+                <a16:creationId xmlns:a16="http://schemas.microsoft.com/office/drawing/2014/main" id="{F495D64D-4393-5E37-89D7-C1565D10D672}"/>
               </a:ext>
             </a:extLst>
           </p:cNvPr>
@@ -6783,7 +6783,7 @@
           <p:nvPr/>
         </p:nvPicPr>
         <p:blipFill>
-          <a:blip r:embed="rId2">
+          <a:blip r:embed="rId10">
             <a:extLst>
               <a:ext uri="{28A0092B-C50C-407E-A947-70E740481C1C}">
                 <a14:useLocalDpi xmlns:a14="http://schemas.microsoft.com/office/drawing/2010/main" val="0"/>
@@ -6796,8 +6796,8 @@
         </p:blipFill>
         <p:spPr>
           <a:xfrm>
-            <a:off x="7196359" y="3308679"/>
-            <a:ext cx="2155958" cy="2155958"/>
+            <a:off x="7190822" y="3705841"/>
+            <a:ext cx="2155962" cy="2155962"/>
           </a:xfrm>
           <a:prstGeom prst="rect">
             <a:avLst/>
@@ -6806,10 +6806,10 @@
       </p:pic>
       <p:pic>
         <p:nvPicPr>
-          <p:cNvPr id="40" name="Picture 39" descr="A white circle on a black background&#10;&#10;Description automatically generated">
-            <a:extLst>
-              <a:ext uri="{FF2B5EF4-FFF2-40B4-BE49-F238E27FC236}">
-                <a16:creationId xmlns:a16="http://schemas.microsoft.com/office/drawing/2014/main" id="{82EFF606-C717-BE50-FA1D-9F8273CB9358}"/>
+          <p:cNvPr id="45" name="Picture 44" descr="A white circle on a black background&#10;&#10;Description automatically generated">
+            <a:extLst>
+              <a:ext uri="{FF2B5EF4-FFF2-40B4-BE49-F238E27FC236}">
+                <a16:creationId xmlns:a16="http://schemas.microsoft.com/office/drawing/2014/main" id="{1E26EEE8-0CA2-7D99-DE10-9B92225A568E}"/>
               </a:ext>
             </a:extLst>
           </p:cNvPr>
@@ -6819,7 +6819,7 @@
           <p:nvPr/>
         </p:nvPicPr>
         <p:blipFill>
-          <a:blip r:embed="rId2">
+          <a:blip r:embed="rId11">
             <a:extLst>
               <a:ext uri="{28A0092B-C50C-407E-A947-70E740481C1C}">
                 <a14:useLocalDpi xmlns:a14="http://schemas.microsoft.com/office/drawing/2010/main" val="0"/>
@@ -6832,8 +6832,8 @@
         </p:blipFill>
         <p:spPr>
           <a:xfrm>
-            <a:off x="9562009" y="3308679"/>
-            <a:ext cx="2155959" cy="2155959"/>
+            <a:off x="9535234" y="3705841"/>
+            <a:ext cx="2155962" cy="2155962"/>
           </a:xfrm>
           <a:prstGeom prst="rect">
             <a:avLst/>
